--- a/受控文档/05-需求分析/PRD2018-G11-SRS.pptx
+++ b/受控文档/05-需求分析/PRD2018-G11-SRS.pptx
@@ -5,10 +5,10 @@
     <p:sldMasterId id="2147483648" r:id="rId1"/>
   </p:sldMasterIdLst>
   <p:notesMasterIdLst>
-    <p:notesMasterId r:id="rId37"/>
+    <p:notesMasterId r:id="rId35"/>
   </p:notesMasterIdLst>
   <p:handoutMasterIdLst>
-    <p:handoutMasterId r:id="rId38"/>
+    <p:handoutMasterId r:id="rId36"/>
   </p:handoutMasterIdLst>
   <p:sldIdLst>
     <p:sldId id="370" r:id="rId2"/>
@@ -29,23 +29,21 @@
     <p:sldId id="544" r:id="rId17"/>
     <p:sldId id="547" r:id="rId18"/>
     <p:sldId id="548" r:id="rId19"/>
-    <p:sldId id="549" r:id="rId20"/>
-    <p:sldId id="550" r:id="rId21"/>
+    <p:sldId id="485" r:id="rId20"/>
+    <p:sldId id="549" r:id="rId21"/>
     <p:sldId id="481" r:id="rId22"/>
     <p:sldId id="551" r:id="rId23"/>
     <p:sldId id="482" r:id="rId24"/>
-    <p:sldId id="485" r:id="rId25"/>
-    <p:sldId id="552" r:id="rId26"/>
-    <p:sldId id="553" r:id="rId27"/>
-    <p:sldId id="554" r:id="rId28"/>
-    <p:sldId id="555" r:id="rId29"/>
-    <p:sldId id="556" r:id="rId30"/>
-    <p:sldId id="559" r:id="rId31"/>
-    <p:sldId id="561" r:id="rId32"/>
-    <p:sldId id="455" r:id="rId33"/>
-    <p:sldId id="451" r:id="rId34"/>
-    <p:sldId id="512" r:id="rId35"/>
-    <p:sldId id="436" r:id="rId36"/>
+    <p:sldId id="552" r:id="rId25"/>
+    <p:sldId id="553" r:id="rId26"/>
+    <p:sldId id="554" r:id="rId27"/>
+    <p:sldId id="555" r:id="rId28"/>
+    <p:sldId id="556" r:id="rId29"/>
+    <p:sldId id="559" r:id="rId30"/>
+    <p:sldId id="561" r:id="rId31"/>
+    <p:sldId id="455" r:id="rId32"/>
+    <p:sldId id="451" r:id="rId33"/>
+    <p:sldId id="436" r:id="rId34"/>
   </p:sldIdLst>
   <p:sldSz cx="12190413" cy="6859588"/>
   <p:notesSz cx="6858000" cy="9144000"/>
@@ -192,1526 +190,6 @@
 </p:presentation>
 </file>
 
-<file path=ppt/charts/chart1.xml><?xml version="1.0" encoding="utf-8"?>
-<c:chartSpace xmlns:c="http://schemas.openxmlformats.org/drawingml/2006/chart" xmlns:a="http://schemas.openxmlformats.org/drawingml/2006/main" xmlns:r="http://schemas.openxmlformats.org/officeDocument/2006/relationships" xmlns:c16r2="http://schemas.microsoft.com/office/drawing/2015/06/chart">
-  <c:date1904 val="0"/>
-  <c:lang val="zh-CN"/>
-  <c:roundedCorners val="0"/>
-  <mc:AlternateContent xmlns:mc="http://schemas.openxmlformats.org/markup-compatibility/2006">
-    <mc:Choice xmlns:c14="http://schemas.microsoft.com/office/drawing/2007/8/2/chart" Requires="c14">
-      <c14:style val="102"/>
-    </mc:Choice>
-    <mc:Fallback>
-      <c:style val="2"/>
-    </mc:Fallback>
-  </mc:AlternateContent>
-  <c:chart>
-    <c:autoTitleDeleted val="1"/>
-    <c:plotArea>
-      <c:layout/>
-      <c:radarChart>
-        <c:radarStyle val="marker"/>
-        <c:varyColors val="0"/>
-        <c:ser>
-          <c:idx val="0"/>
-          <c:order val="0"/>
-          <c:tx>
-            <c:strRef>
-              <c:f>Sheet1!$B$1</c:f>
-              <c:strCache>
-                <c:ptCount val="1"/>
-                <c:pt idx="0">
-                  <c:v>平均</c:v>
-                </c:pt>
-              </c:strCache>
-            </c:strRef>
-          </c:tx>
-          <c:spPr>
-            <a:ln w="57150" cap="rnd" cmpd="sng" algn="ctr">
-              <a:solidFill>
-                <a:schemeClr val="accent1">
-                  <a:shade val="95000"/>
-                  <a:satMod val="105000"/>
-                </a:schemeClr>
-              </a:solidFill>
-              <a:prstDash val="solid"/>
-              <a:round/>
-            </a:ln>
-          </c:spPr>
-          <c:marker>
-            <c:symbol val="none"/>
-          </c:marker>
-          <c:cat>
-            <c:strRef>
-              <c:f>Sheet1!$A$2:$A$6</c:f>
-              <c:strCache>
-                <c:ptCount val="5"/>
-                <c:pt idx="0">
-                  <c:v>质量</c:v>
-                </c:pt>
-                <c:pt idx="1">
-                  <c:v>效率</c:v>
-                </c:pt>
-                <c:pt idx="2">
-                  <c:v>态度</c:v>
-                </c:pt>
-                <c:pt idx="3">
-                  <c:v>工作量</c:v>
-                </c:pt>
-                <c:pt idx="4">
-                  <c:v>纪律</c:v>
-                </c:pt>
-              </c:strCache>
-            </c:strRef>
-          </c:cat>
-          <c:val>
-            <c:numRef>
-              <c:f>Sheet1!$B$2:$B$6</c:f>
-              <c:numCache>
-                <c:formatCode>General</c:formatCode>
-                <c:ptCount val="5"/>
-                <c:pt idx="0">
-                  <c:v>8</c:v>
-                </c:pt>
-                <c:pt idx="1">
-                  <c:v>8.6</c:v>
-                </c:pt>
-                <c:pt idx="2">
-                  <c:v>10</c:v>
-                </c:pt>
-                <c:pt idx="3">
-                  <c:v>7.6</c:v>
-                </c:pt>
-                <c:pt idx="4">
-                  <c:v>10</c:v>
-                </c:pt>
-              </c:numCache>
-            </c:numRef>
-          </c:val>
-          <c:extLst>
-            <c:ext xmlns:c16="http://schemas.microsoft.com/office/drawing/2014/chart" uri="{C3380CC4-5D6E-409C-BE32-E72D297353CC}">
-              <c16:uniqueId val="{00000000-0A6B-412A-A426-904E57EA6678}"/>
-            </c:ext>
-          </c:extLst>
-        </c:ser>
-        <c:ser>
-          <c:idx val="1"/>
-          <c:order val="1"/>
-          <c:tx>
-            <c:strRef>
-              <c:f>Sheet1!$C$1</c:f>
-              <c:strCache>
-                <c:ptCount val="1"/>
-                <c:pt idx="0">
-                  <c:v>江亮儒</c:v>
-                </c:pt>
-              </c:strCache>
-            </c:strRef>
-          </c:tx>
-          <c:spPr>
-            <a:ln w="57150" cap="rnd" cmpd="sng" algn="ctr">
-              <a:solidFill>
-                <a:srgbClr val="00B0F0"/>
-              </a:solidFill>
-              <a:prstDash val="solid"/>
-              <a:round/>
-            </a:ln>
-          </c:spPr>
-          <c:marker>
-            <c:symbol val="none"/>
-          </c:marker>
-          <c:cat>
-            <c:strRef>
-              <c:f>Sheet1!$A$2:$A$6</c:f>
-              <c:strCache>
-                <c:ptCount val="5"/>
-                <c:pt idx="0">
-                  <c:v>质量</c:v>
-                </c:pt>
-                <c:pt idx="1">
-                  <c:v>效率</c:v>
-                </c:pt>
-                <c:pt idx="2">
-                  <c:v>态度</c:v>
-                </c:pt>
-                <c:pt idx="3">
-                  <c:v>工作量</c:v>
-                </c:pt>
-                <c:pt idx="4">
-                  <c:v>纪律</c:v>
-                </c:pt>
-              </c:strCache>
-            </c:strRef>
-          </c:cat>
-          <c:val>
-            <c:numRef>
-              <c:f>Sheet1!$C$2:$C$6</c:f>
-              <c:numCache>
-                <c:formatCode>General</c:formatCode>
-                <c:ptCount val="5"/>
-                <c:pt idx="0">
-                  <c:v>8</c:v>
-                </c:pt>
-                <c:pt idx="1">
-                  <c:v>8</c:v>
-                </c:pt>
-                <c:pt idx="2">
-                  <c:v>10</c:v>
-                </c:pt>
-                <c:pt idx="3">
-                  <c:v>8</c:v>
-                </c:pt>
-                <c:pt idx="4">
-                  <c:v>10</c:v>
-                </c:pt>
-              </c:numCache>
-            </c:numRef>
-          </c:val>
-          <c:extLst>
-            <c:ext xmlns:c16="http://schemas.microsoft.com/office/drawing/2014/chart" uri="{C3380CC4-5D6E-409C-BE32-E72D297353CC}">
-              <c16:uniqueId val="{00000001-0A6B-412A-A426-904E57EA6678}"/>
-            </c:ext>
-          </c:extLst>
-        </c:ser>
-        <c:dLbls>
-          <c:showLegendKey val="0"/>
-          <c:showVal val="0"/>
-          <c:showCatName val="0"/>
-          <c:showSerName val="0"/>
-          <c:showPercent val="0"/>
-          <c:showBubbleSize val="0"/>
-        </c:dLbls>
-        <c:axId val="149165056"/>
-        <c:axId val="264422528"/>
-      </c:radarChart>
-      <c:catAx>
-        <c:axId val="149165056"/>
-        <c:scaling>
-          <c:orientation val="minMax"/>
-        </c:scaling>
-        <c:delete val="0"/>
-        <c:axPos val="b"/>
-        <c:majorGridlines/>
-        <c:numFmt formatCode="General" sourceLinked="1"/>
-        <c:majorTickMark val="out"/>
-        <c:minorTickMark val="none"/>
-        <c:tickLblPos val="nextTo"/>
-        <c:txPr>
-          <a:bodyPr rot="-60000000" spcFirstLastPara="0" vertOverflow="ellipsis" vert="horz" wrap="square" anchor="ctr" anchorCtr="1"/>
-          <a:lstStyle/>
-          <a:p>
-            <a:pPr>
-              <a:defRPr lang="zh-CN" sz="1800" b="0" i="0" u="none" strike="noStrike" kern="1200" baseline="0">
-                <a:solidFill>
-                  <a:schemeClr val="tx1"/>
-                </a:solidFill>
-                <a:latin typeface="+mn-lt"/>
-                <a:ea typeface="+mn-ea"/>
-                <a:cs typeface="+mn-cs"/>
-              </a:defRPr>
-            </a:pPr>
-            <a:endParaRPr lang="zh-CN"/>
-          </a:p>
-        </c:txPr>
-        <c:crossAx val="264422528"/>
-        <c:crosses val="autoZero"/>
-        <c:auto val="1"/>
-        <c:lblAlgn val="ctr"/>
-        <c:lblOffset val="100"/>
-        <c:noMultiLvlLbl val="0"/>
-      </c:catAx>
-      <c:valAx>
-        <c:axId val="264422528"/>
-        <c:scaling>
-          <c:orientation val="minMax"/>
-        </c:scaling>
-        <c:delete val="0"/>
-        <c:axPos val="l"/>
-        <c:majorGridlines/>
-        <c:numFmt formatCode="General" sourceLinked="1"/>
-        <c:majorTickMark val="cross"/>
-        <c:minorTickMark val="none"/>
-        <c:tickLblPos val="nextTo"/>
-        <c:txPr>
-          <a:bodyPr rot="-60000000" spcFirstLastPara="0" vertOverflow="ellipsis" vert="horz" wrap="square" anchor="ctr" anchorCtr="1"/>
-          <a:lstStyle/>
-          <a:p>
-            <a:pPr>
-              <a:defRPr lang="zh-CN" sz="1800" b="0" i="0" u="none" strike="noStrike" kern="1200" baseline="0">
-                <a:solidFill>
-                  <a:schemeClr val="tx1"/>
-                </a:solidFill>
-                <a:latin typeface="+mn-lt"/>
-                <a:ea typeface="+mn-ea"/>
-                <a:cs typeface="+mn-cs"/>
-              </a:defRPr>
-            </a:pPr>
-            <a:endParaRPr lang="zh-CN"/>
-          </a:p>
-        </c:txPr>
-        <c:crossAx val="149165056"/>
-        <c:crosses val="autoZero"/>
-        <c:crossBetween val="between"/>
-      </c:valAx>
-    </c:plotArea>
-    <c:legend>
-      <c:legendPos val="r"/>
-      <c:layout/>
-      <c:overlay val="0"/>
-      <c:txPr>
-        <a:bodyPr rot="0" spcFirstLastPara="0" vertOverflow="ellipsis" vert="horz" wrap="square" anchor="ctr" anchorCtr="1"/>
-        <a:lstStyle/>
-        <a:p>
-          <a:pPr>
-            <a:defRPr lang="zh-CN" sz="1800" b="0" i="0" u="none" strike="noStrike" kern="1200" baseline="0">
-              <a:solidFill>
-                <a:schemeClr val="tx1"/>
-              </a:solidFill>
-              <a:latin typeface="+mn-lt"/>
-              <a:ea typeface="+mn-ea"/>
-              <a:cs typeface="+mn-cs"/>
-            </a:defRPr>
-          </a:pPr>
-          <a:endParaRPr lang="zh-CN"/>
-        </a:p>
-      </c:txPr>
-    </c:legend>
-    <c:plotVisOnly val="1"/>
-    <c:dispBlanksAs val="gap"/>
-    <c:showDLblsOverMax val="0"/>
-  </c:chart>
-  <c:txPr>
-    <a:bodyPr/>
-    <a:lstStyle/>
-    <a:p>
-      <a:pPr>
-        <a:defRPr lang="zh-CN" sz="1800"/>
-      </a:pPr>
-      <a:endParaRPr lang="zh-CN"/>
-    </a:p>
-  </c:txPr>
-  <c:externalData r:id="rId1">
-    <c:autoUpdate val="0"/>
-  </c:externalData>
-</c:chartSpace>
-</file>
-
-<file path=ppt/charts/chart2.xml><?xml version="1.0" encoding="utf-8"?>
-<c:chartSpace xmlns:c="http://schemas.openxmlformats.org/drawingml/2006/chart" xmlns:a="http://schemas.openxmlformats.org/drawingml/2006/main" xmlns:r="http://schemas.openxmlformats.org/officeDocument/2006/relationships" xmlns:c16r2="http://schemas.microsoft.com/office/drawing/2015/06/chart">
-  <c:date1904 val="0"/>
-  <c:lang val="zh-CN"/>
-  <c:roundedCorners val="0"/>
-  <mc:AlternateContent xmlns:mc="http://schemas.openxmlformats.org/markup-compatibility/2006">
-    <mc:Choice xmlns:c14="http://schemas.microsoft.com/office/drawing/2007/8/2/chart" Requires="c14">
-      <c14:style val="102"/>
-    </mc:Choice>
-    <mc:Fallback>
-      <c:style val="2"/>
-    </mc:Fallback>
-  </mc:AlternateContent>
-  <c:chart>
-    <c:autoTitleDeleted val="1"/>
-    <c:plotArea>
-      <c:layout/>
-      <c:radarChart>
-        <c:radarStyle val="marker"/>
-        <c:varyColors val="0"/>
-        <c:ser>
-          <c:idx val="0"/>
-          <c:order val="0"/>
-          <c:tx>
-            <c:strRef>
-              <c:f>Sheet1!$B$1</c:f>
-              <c:strCache>
-                <c:ptCount val="1"/>
-                <c:pt idx="0">
-                  <c:v>平均</c:v>
-                </c:pt>
-              </c:strCache>
-            </c:strRef>
-          </c:tx>
-          <c:spPr>
-            <a:ln w="57150" cap="rnd" cmpd="sng" algn="ctr">
-              <a:solidFill>
-                <a:schemeClr val="accent1">
-                  <a:shade val="95000"/>
-                  <a:satMod val="105000"/>
-                </a:schemeClr>
-              </a:solidFill>
-              <a:prstDash val="solid"/>
-              <a:round/>
-            </a:ln>
-          </c:spPr>
-          <c:marker>
-            <c:symbol val="none"/>
-          </c:marker>
-          <c:cat>
-            <c:strRef>
-              <c:f>Sheet1!$A$2:$A$6</c:f>
-              <c:strCache>
-                <c:ptCount val="5"/>
-                <c:pt idx="0">
-                  <c:v>质量</c:v>
-                </c:pt>
-                <c:pt idx="1">
-                  <c:v>效率</c:v>
-                </c:pt>
-                <c:pt idx="2">
-                  <c:v>态度</c:v>
-                </c:pt>
-                <c:pt idx="3">
-                  <c:v>工作量</c:v>
-                </c:pt>
-                <c:pt idx="4">
-                  <c:v>纪律</c:v>
-                </c:pt>
-              </c:strCache>
-            </c:strRef>
-          </c:cat>
-          <c:val>
-            <c:numRef>
-              <c:f>Sheet1!$B$2:$B$6</c:f>
-              <c:numCache>
-                <c:formatCode>General</c:formatCode>
-                <c:ptCount val="5"/>
-                <c:pt idx="0">
-                  <c:v>8</c:v>
-                </c:pt>
-                <c:pt idx="1">
-                  <c:v>8.6</c:v>
-                </c:pt>
-                <c:pt idx="2">
-                  <c:v>10</c:v>
-                </c:pt>
-                <c:pt idx="3">
-                  <c:v>7.6</c:v>
-                </c:pt>
-                <c:pt idx="4">
-                  <c:v>10</c:v>
-                </c:pt>
-              </c:numCache>
-            </c:numRef>
-          </c:val>
-          <c:extLst>
-            <c:ext xmlns:c16="http://schemas.microsoft.com/office/drawing/2014/chart" uri="{C3380CC4-5D6E-409C-BE32-E72D297353CC}">
-              <c16:uniqueId val="{00000000-EE54-417E-8722-5022D27C7755}"/>
-            </c:ext>
-          </c:extLst>
-        </c:ser>
-        <c:ser>
-          <c:idx val="1"/>
-          <c:order val="1"/>
-          <c:tx>
-            <c:strRef>
-              <c:f>Sheet1!$C$1</c:f>
-              <c:strCache>
-                <c:ptCount val="1"/>
-                <c:pt idx="0">
-                  <c:v>蔡峰</c:v>
-                </c:pt>
-              </c:strCache>
-            </c:strRef>
-          </c:tx>
-          <c:spPr>
-            <a:ln w="57150" cap="rnd" cmpd="sng" algn="ctr">
-              <a:solidFill>
-                <a:srgbClr val="00B0F0"/>
-              </a:solidFill>
-              <a:prstDash val="solid"/>
-              <a:round/>
-            </a:ln>
-          </c:spPr>
-          <c:marker>
-            <c:symbol val="none"/>
-          </c:marker>
-          <c:cat>
-            <c:strRef>
-              <c:f>Sheet1!$A$2:$A$6</c:f>
-              <c:strCache>
-                <c:ptCount val="5"/>
-                <c:pt idx="0">
-                  <c:v>质量</c:v>
-                </c:pt>
-                <c:pt idx="1">
-                  <c:v>效率</c:v>
-                </c:pt>
-                <c:pt idx="2">
-                  <c:v>态度</c:v>
-                </c:pt>
-                <c:pt idx="3">
-                  <c:v>工作量</c:v>
-                </c:pt>
-                <c:pt idx="4">
-                  <c:v>纪律</c:v>
-                </c:pt>
-              </c:strCache>
-            </c:strRef>
-          </c:cat>
-          <c:val>
-            <c:numRef>
-              <c:f>Sheet1!$C$2:$C$6</c:f>
-              <c:numCache>
-                <c:formatCode>General</c:formatCode>
-                <c:ptCount val="5"/>
-                <c:pt idx="0">
-                  <c:v>7</c:v>
-                </c:pt>
-                <c:pt idx="1">
-                  <c:v>9</c:v>
-                </c:pt>
-                <c:pt idx="2">
-                  <c:v>10</c:v>
-                </c:pt>
-                <c:pt idx="3">
-                  <c:v>7</c:v>
-                </c:pt>
-                <c:pt idx="4">
-                  <c:v>10</c:v>
-                </c:pt>
-              </c:numCache>
-            </c:numRef>
-          </c:val>
-          <c:extLst>
-            <c:ext xmlns:c16="http://schemas.microsoft.com/office/drawing/2014/chart" uri="{C3380CC4-5D6E-409C-BE32-E72D297353CC}">
-              <c16:uniqueId val="{00000001-EE54-417E-8722-5022D27C7755}"/>
-            </c:ext>
-          </c:extLst>
-        </c:ser>
-        <c:dLbls>
-          <c:showLegendKey val="0"/>
-          <c:showVal val="0"/>
-          <c:showCatName val="0"/>
-          <c:showSerName val="0"/>
-          <c:showPercent val="0"/>
-          <c:showBubbleSize val="0"/>
-        </c:dLbls>
-        <c:axId val="149165568"/>
-        <c:axId val="264421952"/>
-      </c:radarChart>
-      <c:catAx>
-        <c:axId val="149165568"/>
-        <c:scaling>
-          <c:orientation val="minMax"/>
-        </c:scaling>
-        <c:delete val="0"/>
-        <c:axPos val="b"/>
-        <c:majorGridlines/>
-        <c:numFmt formatCode="General" sourceLinked="1"/>
-        <c:majorTickMark val="out"/>
-        <c:minorTickMark val="none"/>
-        <c:tickLblPos val="nextTo"/>
-        <c:txPr>
-          <a:bodyPr rot="-60000000" spcFirstLastPara="0" vertOverflow="ellipsis" vert="horz" wrap="square" anchor="ctr" anchorCtr="1"/>
-          <a:lstStyle/>
-          <a:p>
-            <a:pPr>
-              <a:defRPr lang="zh-CN" sz="1800" b="0" i="0" u="none" strike="noStrike" kern="1200" baseline="0">
-                <a:solidFill>
-                  <a:schemeClr val="tx1"/>
-                </a:solidFill>
-                <a:latin typeface="+mn-lt"/>
-                <a:ea typeface="+mn-ea"/>
-                <a:cs typeface="+mn-cs"/>
-              </a:defRPr>
-            </a:pPr>
-            <a:endParaRPr lang="zh-CN"/>
-          </a:p>
-        </c:txPr>
-        <c:crossAx val="264421952"/>
-        <c:crosses val="autoZero"/>
-        <c:auto val="1"/>
-        <c:lblAlgn val="ctr"/>
-        <c:lblOffset val="100"/>
-        <c:noMultiLvlLbl val="0"/>
-      </c:catAx>
-      <c:valAx>
-        <c:axId val="264421952"/>
-        <c:scaling>
-          <c:orientation val="minMax"/>
-        </c:scaling>
-        <c:delete val="0"/>
-        <c:axPos val="l"/>
-        <c:majorGridlines/>
-        <c:numFmt formatCode="General" sourceLinked="1"/>
-        <c:majorTickMark val="cross"/>
-        <c:minorTickMark val="none"/>
-        <c:tickLblPos val="nextTo"/>
-        <c:txPr>
-          <a:bodyPr rot="-60000000" spcFirstLastPara="0" vertOverflow="ellipsis" vert="horz" wrap="square" anchor="ctr" anchorCtr="1"/>
-          <a:lstStyle/>
-          <a:p>
-            <a:pPr>
-              <a:defRPr lang="zh-CN" sz="1800" b="0" i="0" u="none" strike="noStrike" kern="1200" baseline="0">
-                <a:solidFill>
-                  <a:schemeClr val="tx1"/>
-                </a:solidFill>
-                <a:latin typeface="+mn-lt"/>
-                <a:ea typeface="+mn-ea"/>
-                <a:cs typeface="+mn-cs"/>
-              </a:defRPr>
-            </a:pPr>
-            <a:endParaRPr lang="zh-CN"/>
-          </a:p>
-        </c:txPr>
-        <c:crossAx val="149165568"/>
-        <c:crosses val="autoZero"/>
-        <c:crossBetween val="between"/>
-      </c:valAx>
-    </c:plotArea>
-    <c:legend>
-      <c:legendPos val="r"/>
-      <c:layout/>
-      <c:overlay val="0"/>
-      <c:txPr>
-        <a:bodyPr rot="0" spcFirstLastPara="0" vertOverflow="ellipsis" vert="horz" wrap="square" anchor="ctr" anchorCtr="1"/>
-        <a:lstStyle/>
-        <a:p>
-          <a:pPr>
-            <a:defRPr lang="zh-CN" sz="1800" b="0" i="0" u="none" strike="noStrike" kern="1200" baseline="0">
-              <a:solidFill>
-                <a:schemeClr val="tx1"/>
-              </a:solidFill>
-              <a:latin typeface="+mn-lt"/>
-              <a:ea typeface="+mn-ea"/>
-              <a:cs typeface="+mn-cs"/>
-            </a:defRPr>
-          </a:pPr>
-          <a:endParaRPr lang="zh-CN"/>
-        </a:p>
-      </c:txPr>
-    </c:legend>
-    <c:plotVisOnly val="1"/>
-    <c:dispBlanksAs val="gap"/>
-    <c:showDLblsOverMax val="0"/>
-  </c:chart>
-  <c:txPr>
-    <a:bodyPr/>
-    <a:lstStyle/>
-    <a:p>
-      <a:pPr>
-        <a:defRPr lang="zh-CN" sz="1800"/>
-      </a:pPr>
-      <a:endParaRPr lang="zh-CN"/>
-    </a:p>
-  </c:txPr>
-  <c:externalData r:id="rId1">
-    <c:autoUpdate val="0"/>
-  </c:externalData>
-</c:chartSpace>
-</file>
-
-<file path=ppt/charts/chart3.xml><?xml version="1.0" encoding="utf-8"?>
-<c:chartSpace xmlns:c="http://schemas.openxmlformats.org/drawingml/2006/chart" xmlns:a="http://schemas.openxmlformats.org/drawingml/2006/main" xmlns:r="http://schemas.openxmlformats.org/officeDocument/2006/relationships" xmlns:c16r2="http://schemas.microsoft.com/office/drawing/2015/06/chart">
-  <c:date1904 val="0"/>
-  <c:lang val="zh-CN"/>
-  <c:roundedCorners val="0"/>
-  <mc:AlternateContent xmlns:mc="http://schemas.openxmlformats.org/markup-compatibility/2006">
-    <mc:Choice xmlns:c14="http://schemas.microsoft.com/office/drawing/2007/8/2/chart" Requires="c14">
-      <c14:style val="102"/>
-    </mc:Choice>
-    <mc:Fallback>
-      <c:style val="2"/>
-    </mc:Fallback>
-  </mc:AlternateContent>
-  <c:chart>
-    <c:autoTitleDeleted val="1"/>
-    <c:plotArea>
-      <c:layout/>
-      <c:radarChart>
-        <c:radarStyle val="marker"/>
-        <c:varyColors val="0"/>
-        <c:ser>
-          <c:idx val="0"/>
-          <c:order val="0"/>
-          <c:tx>
-            <c:strRef>
-              <c:f>Sheet1!$B$1</c:f>
-              <c:strCache>
-                <c:ptCount val="1"/>
-                <c:pt idx="0">
-                  <c:v>平均</c:v>
-                </c:pt>
-              </c:strCache>
-            </c:strRef>
-          </c:tx>
-          <c:spPr>
-            <a:ln w="57150" cap="rnd" cmpd="sng" algn="ctr">
-              <a:solidFill>
-                <a:schemeClr val="accent1">
-                  <a:shade val="95000"/>
-                  <a:satMod val="105000"/>
-                </a:schemeClr>
-              </a:solidFill>
-              <a:prstDash val="solid"/>
-              <a:round/>
-            </a:ln>
-          </c:spPr>
-          <c:marker>
-            <c:symbol val="none"/>
-          </c:marker>
-          <c:cat>
-            <c:strRef>
-              <c:f>Sheet1!$A$2:$A$6</c:f>
-              <c:strCache>
-                <c:ptCount val="5"/>
-                <c:pt idx="0">
-                  <c:v>质量</c:v>
-                </c:pt>
-                <c:pt idx="1">
-                  <c:v>效率</c:v>
-                </c:pt>
-                <c:pt idx="2">
-                  <c:v>态度</c:v>
-                </c:pt>
-                <c:pt idx="3">
-                  <c:v>工作量</c:v>
-                </c:pt>
-                <c:pt idx="4">
-                  <c:v>纪律</c:v>
-                </c:pt>
-              </c:strCache>
-            </c:strRef>
-          </c:cat>
-          <c:val>
-            <c:numRef>
-              <c:f>Sheet1!$B$2:$B$6</c:f>
-              <c:numCache>
-                <c:formatCode>General</c:formatCode>
-                <c:ptCount val="5"/>
-                <c:pt idx="0">
-                  <c:v>8</c:v>
-                </c:pt>
-                <c:pt idx="1">
-                  <c:v>8.6</c:v>
-                </c:pt>
-                <c:pt idx="2">
-                  <c:v>10</c:v>
-                </c:pt>
-                <c:pt idx="3">
-                  <c:v>7.6</c:v>
-                </c:pt>
-                <c:pt idx="4">
-                  <c:v>10</c:v>
-                </c:pt>
-              </c:numCache>
-            </c:numRef>
-          </c:val>
-          <c:extLst>
-            <c:ext xmlns:c16="http://schemas.microsoft.com/office/drawing/2014/chart" uri="{C3380CC4-5D6E-409C-BE32-E72D297353CC}">
-              <c16:uniqueId val="{00000000-65D7-45F0-B077-8C709B5F50DF}"/>
-            </c:ext>
-          </c:extLst>
-        </c:ser>
-        <c:ser>
-          <c:idx val="1"/>
-          <c:order val="1"/>
-          <c:tx>
-            <c:strRef>
-              <c:f>Sheet1!$C$1</c:f>
-              <c:strCache>
-                <c:ptCount val="1"/>
-                <c:pt idx="0">
-                  <c:v>黄为波</c:v>
-                </c:pt>
-              </c:strCache>
-            </c:strRef>
-          </c:tx>
-          <c:spPr>
-            <a:ln w="57150" cap="rnd" cmpd="sng" algn="ctr">
-              <a:solidFill>
-                <a:srgbClr val="00B0F0"/>
-              </a:solidFill>
-              <a:prstDash val="solid"/>
-              <a:round/>
-            </a:ln>
-          </c:spPr>
-          <c:marker>
-            <c:symbol val="none"/>
-          </c:marker>
-          <c:cat>
-            <c:strRef>
-              <c:f>Sheet1!$A$2:$A$6</c:f>
-              <c:strCache>
-                <c:ptCount val="5"/>
-                <c:pt idx="0">
-                  <c:v>质量</c:v>
-                </c:pt>
-                <c:pt idx="1">
-                  <c:v>效率</c:v>
-                </c:pt>
-                <c:pt idx="2">
-                  <c:v>态度</c:v>
-                </c:pt>
-                <c:pt idx="3">
-                  <c:v>工作量</c:v>
-                </c:pt>
-                <c:pt idx="4">
-                  <c:v>纪律</c:v>
-                </c:pt>
-              </c:strCache>
-            </c:strRef>
-          </c:cat>
-          <c:val>
-            <c:numRef>
-              <c:f>Sheet1!$C$2:$C$6</c:f>
-              <c:numCache>
-                <c:formatCode>General</c:formatCode>
-                <c:ptCount val="5"/>
-                <c:pt idx="0">
-                  <c:v>9</c:v>
-                </c:pt>
-                <c:pt idx="1">
-                  <c:v>8</c:v>
-                </c:pt>
-                <c:pt idx="2">
-                  <c:v>10</c:v>
-                </c:pt>
-                <c:pt idx="3">
-                  <c:v>9</c:v>
-                </c:pt>
-                <c:pt idx="4">
-                  <c:v>10</c:v>
-                </c:pt>
-              </c:numCache>
-            </c:numRef>
-          </c:val>
-          <c:extLst>
-            <c:ext xmlns:c16="http://schemas.microsoft.com/office/drawing/2014/chart" uri="{C3380CC4-5D6E-409C-BE32-E72D297353CC}">
-              <c16:uniqueId val="{00000001-65D7-45F0-B077-8C709B5F50DF}"/>
-            </c:ext>
-          </c:extLst>
-        </c:ser>
-        <c:dLbls>
-          <c:showLegendKey val="0"/>
-          <c:showVal val="0"/>
-          <c:showCatName val="0"/>
-          <c:showSerName val="0"/>
-          <c:showPercent val="0"/>
-          <c:showBubbleSize val="0"/>
-        </c:dLbls>
-        <c:axId val="265701376"/>
-        <c:axId val="264425408"/>
-      </c:radarChart>
-      <c:catAx>
-        <c:axId val="265701376"/>
-        <c:scaling>
-          <c:orientation val="minMax"/>
-        </c:scaling>
-        <c:delete val="0"/>
-        <c:axPos val="b"/>
-        <c:majorGridlines/>
-        <c:numFmt formatCode="General" sourceLinked="1"/>
-        <c:majorTickMark val="out"/>
-        <c:minorTickMark val="none"/>
-        <c:tickLblPos val="nextTo"/>
-        <c:txPr>
-          <a:bodyPr rot="-60000000" spcFirstLastPara="0" vertOverflow="ellipsis" vert="horz" wrap="square" anchor="ctr" anchorCtr="1"/>
-          <a:lstStyle/>
-          <a:p>
-            <a:pPr>
-              <a:defRPr lang="zh-CN" sz="1800" b="0" i="0" u="none" strike="noStrike" kern="1200" baseline="0">
-                <a:solidFill>
-                  <a:schemeClr val="tx1"/>
-                </a:solidFill>
-                <a:latin typeface="+mn-lt"/>
-                <a:ea typeface="+mn-ea"/>
-                <a:cs typeface="+mn-cs"/>
-              </a:defRPr>
-            </a:pPr>
-            <a:endParaRPr lang="zh-CN"/>
-          </a:p>
-        </c:txPr>
-        <c:crossAx val="264425408"/>
-        <c:crosses val="autoZero"/>
-        <c:auto val="1"/>
-        <c:lblAlgn val="ctr"/>
-        <c:lblOffset val="100"/>
-        <c:noMultiLvlLbl val="0"/>
-      </c:catAx>
-      <c:valAx>
-        <c:axId val="264425408"/>
-        <c:scaling>
-          <c:orientation val="minMax"/>
-        </c:scaling>
-        <c:delete val="0"/>
-        <c:axPos val="l"/>
-        <c:majorGridlines/>
-        <c:numFmt formatCode="General" sourceLinked="1"/>
-        <c:majorTickMark val="cross"/>
-        <c:minorTickMark val="none"/>
-        <c:tickLblPos val="nextTo"/>
-        <c:txPr>
-          <a:bodyPr rot="-60000000" spcFirstLastPara="0" vertOverflow="ellipsis" vert="horz" wrap="square" anchor="ctr" anchorCtr="1"/>
-          <a:lstStyle/>
-          <a:p>
-            <a:pPr>
-              <a:defRPr lang="zh-CN" sz="1800" b="0" i="0" u="none" strike="noStrike" kern="1200" baseline="0">
-                <a:solidFill>
-                  <a:schemeClr val="tx1"/>
-                </a:solidFill>
-                <a:latin typeface="+mn-lt"/>
-                <a:ea typeface="+mn-ea"/>
-                <a:cs typeface="+mn-cs"/>
-              </a:defRPr>
-            </a:pPr>
-            <a:endParaRPr lang="zh-CN"/>
-          </a:p>
-        </c:txPr>
-        <c:crossAx val="265701376"/>
-        <c:crosses val="autoZero"/>
-        <c:crossBetween val="between"/>
-      </c:valAx>
-    </c:plotArea>
-    <c:legend>
-      <c:legendPos val="r"/>
-      <c:layout/>
-      <c:overlay val="0"/>
-      <c:txPr>
-        <a:bodyPr rot="0" spcFirstLastPara="0" vertOverflow="ellipsis" vert="horz" wrap="square" anchor="ctr" anchorCtr="1"/>
-        <a:lstStyle/>
-        <a:p>
-          <a:pPr>
-            <a:defRPr lang="zh-CN" sz="1800" b="0" i="0" u="none" strike="noStrike" kern="1200" baseline="0">
-              <a:solidFill>
-                <a:schemeClr val="tx1"/>
-              </a:solidFill>
-              <a:latin typeface="+mn-lt"/>
-              <a:ea typeface="+mn-ea"/>
-              <a:cs typeface="+mn-cs"/>
-            </a:defRPr>
-          </a:pPr>
-          <a:endParaRPr lang="zh-CN"/>
-        </a:p>
-      </c:txPr>
-    </c:legend>
-    <c:plotVisOnly val="1"/>
-    <c:dispBlanksAs val="gap"/>
-    <c:showDLblsOverMax val="0"/>
-  </c:chart>
-  <c:txPr>
-    <a:bodyPr/>
-    <a:lstStyle/>
-    <a:p>
-      <a:pPr>
-        <a:defRPr lang="zh-CN" sz="1800"/>
-      </a:pPr>
-      <a:endParaRPr lang="zh-CN"/>
-    </a:p>
-  </c:txPr>
-  <c:externalData r:id="rId1">
-    <c:autoUpdate val="0"/>
-  </c:externalData>
-</c:chartSpace>
-</file>
-
-<file path=ppt/charts/chart4.xml><?xml version="1.0" encoding="utf-8"?>
-<c:chartSpace xmlns:c="http://schemas.openxmlformats.org/drawingml/2006/chart" xmlns:a="http://schemas.openxmlformats.org/drawingml/2006/main" xmlns:r="http://schemas.openxmlformats.org/officeDocument/2006/relationships" xmlns:c16r2="http://schemas.microsoft.com/office/drawing/2015/06/chart">
-  <c:date1904 val="0"/>
-  <c:lang val="zh-CN"/>
-  <c:roundedCorners val="0"/>
-  <mc:AlternateContent xmlns:mc="http://schemas.openxmlformats.org/markup-compatibility/2006">
-    <mc:Choice xmlns:c14="http://schemas.microsoft.com/office/drawing/2007/8/2/chart" Requires="c14">
-      <c14:style val="102"/>
-    </mc:Choice>
-    <mc:Fallback>
-      <c:style val="2"/>
-    </mc:Fallback>
-  </mc:AlternateContent>
-  <c:chart>
-    <c:autoTitleDeleted val="1"/>
-    <c:plotArea>
-      <c:layout/>
-      <c:radarChart>
-        <c:radarStyle val="marker"/>
-        <c:varyColors val="0"/>
-        <c:ser>
-          <c:idx val="0"/>
-          <c:order val="0"/>
-          <c:tx>
-            <c:strRef>
-              <c:f>Sheet1!$B$1</c:f>
-              <c:strCache>
-                <c:ptCount val="1"/>
-                <c:pt idx="0">
-                  <c:v>平均</c:v>
-                </c:pt>
-              </c:strCache>
-            </c:strRef>
-          </c:tx>
-          <c:spPr>
-            <a:ln w="57150" cap="rnd" cmpd="sng" algn="ctr">
-              <a:solidFill>
-                <a:schemeClr val="accent1">
-                  <a:shade val="95000"/>
-                  <a:satMod val="105000"/>
-                </a:schemeClr>
-              </a:solidFill>
-              <a:prstDash val="solid"/>
-              <a:round/>
-            </a:ln>
-          </c:spPr>
-          <c:marker>
-            <c:symbol val="none"/>
-          </c:marker>
-          <c:cat>
-            <c:strRef>
-              <c:f>Sheet1!$A$2:$A$6</c:f>
-              <c:strCache>
-                <c:ptCount val="5"/>
-                <c:pt idx="0">
-                  <c:v>质量</c:v>
-                </c:pt>
-                <c:pt idx="1">
-                  <c:v>效率</c:v>
-                </c:pt>
-                <c:pt idx="2">
-                  <c:v>态度</c:v>
-                </c:pt>
-                <c:pt idx="3">
-                  <c:v>工作量</c:v>
-                </c:pt>
-                <c:pt idx="4">
-                  <c:v>纪律</c:v>
-                </c:pt>
-              </c:strCache>
-            </c:strRef>
-          </c:cat>
-          <c:val>
-            <c:numRef>
-              <c:f>Sheet1!$B$2:$B$6</c:f>
-              <c:numCache>
-                <c:formatCode>General</c:formatCode>
-                <c:ptCount val="5"/>
-                <c:pt idx="0">
-                  <c:v>8</c:v>
-                </c:pt>
-                <c:pt idx="1">
-                  <c:v>8.6</c:v>
-                </c:pt>
-                <c:pt idx="2">
-                  <c:v>10</c:v>
-                </c:pt>
-                <c:pt idx="3">
-                  <c:v>7.6</c:v>
-                </c:pt>
-                <c:pt idx="4">
-                  <c:v>10</c:v>
-                </c:pt>
-              </c:numCache>
-            </c:numRef>
-          </c:val>
-          <c:extLst>
-            <c:ext xmlns:c16="http://schemas.microsoft.com/office/drawing/2014/chart" uri="{C3380CC4-5D6E-409C-BE32-E72D297353CC}">
-              <c16:uniqueId val="{00000000-5272-4761-BD34-95ABDF933F67}"/>
-            </c:ext>
-          </c:extLst>
-        </c:ser>
-        <c:ser>
-          <c:idx val="1"/>
-          <c:order val="1"/>
-          <c:tx>
-            <c:strRef>
-              <c:f>Sheet1!$C$1</c:f>
-              <c:strCache>
-                <c:ptCount val="1"/>
-                <c:pt idx="0">
-                  <c:v>陈子卿</c:v>
-                </c:pt>
-              </c:strCache>
-            </c:strRef>
-          </c:tx>
-          <c:spPr>
-            <a:ln w="57150" cap="rnd" cmpd="sng" algn="ctr">
-              <a:solidFill>
-                <a:srgbClr val="00B0F0"/>
-              </a:solidFill>
-              <a:prstDash val="solid"/>
-              <a:round/>
-            </a:ln>
-          </c:spPr>
-          <c:marker>
-            <c:symbol val="none"/>
-          </c:marker>
-          <c:cat>
-            <c:strRef>
-              <c:f>Sheet1!$A$2:$A$6</c:f>
-              <c:strCache>
-                <c:ptCount val="5"/>
-                <c:pt idx="0">
-                  <c:v>质量</c:v>
-                </c:pt>
-                <c:pt idx="1">
-                  <c:v>效率</c:v>
-                </c:pt>
-                <c:pt idx="2">
-                  <c:v>态度</c:v>
-                </c:pt>
-                <c:pt idx="3">
-                  <c:v>工作量</c:v>
-                </c:pt>
-                <c:pt idx="4">
-                  <c:v>纪律</c:v>
-                </c:pt>
-              </c:strCache>
-            </c:strRef>
-          </c:cat>
-          <c:val>
-            <c:numRef>
-              <c:f>Sheet1!$C$2:$C$6</c:f>
-              <c:numCache>
-                <c:formatCode>General</c:formatCode>
-                <c:ptCount val="5"/>
-                <c:pt idx="0">
-                  <c:v>9</c:v>
-                </c:pt>
-                <c:pt idx="1">
-                  <c:v>9</c:v>
-                </c:pt>
-                <c:pt idx="2">
-                  <c:v>10</c:v>
-                </c:pt>
-                <c:pt idx="3">
-                  <c:v>7</c:v>
-                </c:pt>
-                <c:pt idx="4">
-                  <c:v>10</c:v>
-                </c:pt>
-              </c:numCache>
-            </c:numRef>
-          </c:val>
-          <c:extLst>
-            <c:ext xmlns:c16="http://schemas.microsoft.com/office/drawing/2014/chart" uri="{C3380CC4-5D6E-409C-BE32-E72D297353CC}">
-              <c16:uniqueId val="{00000001-5272-4761-BD34-95ABDF933F67}"/>
-            </c:ext>
-          </c:extLst>
-        </c:ser>
-        <c:dLbls>
-          <c:showLegendKey val="0"/>
-          <c:showVal val="0"/>
-          <c:showCatName val="0"/>
-          <c:showSerName val="0"/>
-          <c:showPercent val="0"/>
-          <c:showBubbleSize val="0"/>
-        </c:dLbls>
-        <c:axId val="266549760"/>
-        <c:axId val="264427136"/>
-      </c:radarChart>
-      <c:catAx>
-        <c:axId val="266549760"/>
-        <c:scaling>
-          <c:orientation val="minMax"/>
-        </c:scaling>
-        <c:delete val="0"/>
-        <c:axPos val="b"/>
-        <c:majorGridlines/>
-        <c:numFmt formatCode="General" sourceLinked="1"/>
-        <c:majorTickMark val="out"/>
-        <c:minorTickMark val="none"/>
-        <c:tickLblPos val="nextTo"/>
-        <c:txPr>
-          <a:bodyPr rot="-60000000" spcFirstLastPara="0" vertOverflow="ellipsis" vert="horz" wrap="square" anchor="ctr" anchorCtr="1"/>
-          <a:lstStyle/>
-          <a:p>
-            <a:pPr>
-              <a:defRPr lang="zh-CN" sz="1800" b="0" i="0" u="none" strike="noStrike" kern="1200" baseline="0">
-                <a:solidFill>
-                  <a:schemeClr val="tx1"/>
-                </a:solidFill>
-                <a:latin typeface="+mn-lt"/>
-                <a:ea typeface="+mn-ea"/>
-                <a:cs typeface="+mn-cs"/>
-              </a:defRPr>
-            </a:pPr>
-            <a:endParaRPr lang="zh-CN"/>
-          </a:p>
-        </c:txPr>
-        <c:crossAx val="264427136"/>
-        <c:crosses val="autoZero"/>
-        <c:auto val="1"/>
-        <c:lblAlgn val="ctr"/>
-        <c:lblOffset val="100"/>
-        <c:noMultiLvlLbl val="0"/>
-      </c:catAx>
-      <c:valAx>
-        <c:axId val="264427136"/>
-        <c:scaling>
-          <c:orientation val="minMax"/>
-        </c:scaling>
-        <c:delete val="0"/>
-        <c:axPos val="l"/>
-        <c:majorGridlines/>
-        <c:numFmt formatCode="General" sourceLinked="1"/>
-        <c:majorTickMark val="cross"/>
-        <c:minorTickMark val="none"/>
-        <c:tickLblPos val="nextTo"/>
-        <c:txPr>
-          <a:bodyPr rot="-60000000" spcFirstLastPara="0" vertOverflow="ellipsis" vert="horz" wrap="square" anchor="ctr" anchorCtr="1"/>
-          <a:lstStyle/>
-          <a:p>
-            <a:pPr>
-              <a:defRPr lang="zh-CN" sz="1800" b="0" i="0" u="none" strike="noStrike" kern="1200" baseline="0">
-                <a:solidFill>
-                  <a:schemeClr val="tx1"/>
-                </a:solidFill>
-                <a:latin typeface="+mn-lt"/>
-                <a:ea typeface="+mn-ea"/>
-                <a:cs typeface="+mn-cs"/>
-              </a:defRPr>
-            </a:pPr>
-            <a:endParaRPr lang="zh-CN"/>
-          </a:p>
-        </c:txPr>
-        <c:crossAx val="266549760"/>
-        <c:crosses val="autoZero"/>
-        <c:crossBetween val="between"/>
-      </c:valAx>
-    </c:plotArea>
-    <c:legend>
-      <c:legendPos val="r"/>
-      <c:layout/>
-      <c:overlay val="0"/>
-      <c:txPr>
-        <a:bodyPr rot="0" spcFirstLastPara="0" vertOverflow="ellipsis" vert="horz" wrap="square" anchor="ctr" anchorCtr="1"/>
-        <a:lstStyle/>
-        <a:p>
-          <a:pPr>
-            <a:defRPr lang="zh-CN" sz="1800" b="0" i="0" u="none" strike="noStrike" kern="1200" baseline="0">
-              <a:solidFill>
-                <a:schemeClr val="tx1"/>
-              </a:solidFill>
-              <a:latin typeface="+mn-lt"/>
-              <a:ea typeface="+mn-ea"/>
-              <a:cs typeface="+mn-cs"/>
-            </a:defRPr>
-          </a:pPr>
-          <a:endParaRPr lang="zh-CN"/>
-        </a:p>
-      </c:txPr>
-    </c:legend>
-    <c:plotVisOnly val="1"/>
-    <c:dispBlanksAs val="gap"/>
-    <c:showDLblsOverMax val="0"/>
-  </c:chart>
-  <c:txPr>
-    <a:bodyPr/>
-    <a:lstStyle/>
-    <a:p>
-      <a:pPr>
-        <a:defRPr lang="zh-CN" sz="1800"/>
-      </a:pPr>
-      <a:endParaRPr lang="zh-CN"/>
-    </a:p>
-  </c:txPr>
-  <c:externalData r:id="rId1">
-    <c:autoUpdate val="0"/>
-  </c:externalData>
-</c:chartSpace>
-</file>
-
-<file path=ppt/charts/chart5.xml><?xml version="1.0" encoding="utf-8"?>
-<c:chartSpace xmlns:c="http://schemas.openxmlformats.org/drawingml/2006/chart" xmlns:a="http://schemas.openxmlformats.org/drawingml/2006/main" xmlns:r="http://schemas.openxmlformats.org/officeDocument/2006/relationships" xmlns:c16r2="http://schemas.microsoft.com/office/drawing/2015/06/chart">
-  <c:date1904 val="0"/>
-  <c:lang val="zh-CN"/>
-  <c:roundedCorners val="0"/>
-  <mc:AlternateContent xmlns:mc="http://schemas.openxmlformats.org/markup-compatibility/2006">
-    <mc:Choice xmlns:c14="http://schemas.microsoft.com/office/drawing/2007/8/2/chart" Requires="c14">
-      <c14:style val="102"/>
-    </mc:Choice>
-    <mc:Fallback>
-      <c:style val="2"/>
-    </mc:Fallback>
-  </mc:AlternateContent>
-  <c:chart>
-    <c:autoTitleDeleted val="1"/>
-    <c:plotArea>
-      <c:layout/>
-      <c:radarChart>
-        <c:radarStyle val="marker"/>
-        <c:varyColors val="0"/>
-        <c:ser>
-          <c:idx val="0"/>
-          <c:order val="0"/>
-          <c:tx>
-            <c:strRef>
-              <c:f>Sheet1!$B$1</c:f>
-              <c:strCache>
-                <c:ptCount val="1"/>
-                <c:pt idx="0">
-                  <c:v>平均</c:v>
-                </c:pt>
-              </c:strCache>
-            </c:strRef>
-          </c:tx>
-          <c:spPr>
-            <a:ln w="57150" cap="rnd" cmpd="sng" algn="ctr">
-              <a:solidFill>
-                <a:schemeClr val="accent1">
-                  <a:shade val="95000"/>
-                  <a:satMod val="105000"/>
-                </a:schemeClr>
-              </a:solidFill>
-              <a:prstDash val="solid"/>
-              <a:round/>
-            </a:ln>
-          </c:spPr>
-          <c:marker>
-            <c:symbol val="none"/>
-          </c:marker>
-          <c:cat>
-            <c:strRef>
-              <c:f>Sheet1!$A$2:$A$6</c:f>
-              <c:strCache>
-                <c:ptCount val="5"/>
-                <c:pt idx="0">
-                  <c:v>质量</c:v>
-                </c:pt>
-                <c:pt idx="1">
-                  <c:v>效率</c:v>
-                </c:pt>
-                <c:pt idx="2">
-                  <c:v>态度</c:v>
-                </c:pt>
-                <c:pt idx="3">
-                  <c:v>工作量</c:v>
-                </c:pt>
-                <c:pt idx="4">
-                  <c:v>纪律</c:v>
-                </c:pt>
-              </c:strCache>
-            </c:strRef>
-          </c:cat>
-          <c:val>
-            <c:numRef>
-              <c:f>Sheet1!$B$2:$B$6</c:f>
-              <c:numCache>
-                <c:formatCode>General</c:formatCode>
-                <c:ptCount val="5"/>
-                <c:pt idx="0">
-                  <c:v>8</c:v>
-                </c:pt>
-                <c:pt idx="1">
-                  <c:v>8.6</c:v>
-                </c:pt>
-                <c:pt idx="2">
-                  <c:v>10</c:v>
-                </c:pt>
-                <c:pt idx="3">
-                  <c:v>7.6</c:v>
-                </c:pt>
-                <c:pt idx="4">
-                  <c:v>10</c:v>
-                </c:pt>
-              </c:numCache>
-            </c:numRef>
-          </c:val>
-          <c:extLst>
-            <c:ext xmlns:c16="http://schemas.microsoft.com/office/drawing/2014/chart" uri="{C3380CC4-5D6E-409C-BE32-E72D297353CC}">
-              <c16:uniqueId val="{00000000-2773-49ED-8D1A-147913BCABC4}"/>
-            </c:ext>
-          </c:extLst>
-        </c:ser>
-        <c:ser>
-          <c:idx val="1"/>
-          <c:order val="1"/>
-          <c:tx>
-            <c:strRef>
-              <c:f>Sheet1!$C$1</c:f>
-              <c:strCache>
-                <c:ptCount val="1"/>
-                <c:pt idx="0">
-                  <c:v>苏雨豪</c:v>
-                </c:pt>
-              </c:strCache>
-            </c:strRef>
-          </c:tx>
-          <c:spPr>
-            <a:ln w="57150" cap="rnd" cmpd="sng" algn="ctr">
-              <a:solidFill>
-                <a:srgbClr val="00B0F0"/>
-              </a:solidFill>
-              <a:prstDash val="solid"/>
-              <a:round/>
-            </a:ln>
-          </c:spPr>
-          <c:marker>
-            <c:symbol val="none"/>
-          </c:marker>
-          <c:cat>
-            <c:strRef>
-              <c:f>Sheet1!$A$2:$A$6</c:f>
-              <c:strCache>
-                <c:ptCount val="5"/>
-                <c:pt idx="0">
-                  <c:v>质量</c:v>
-                </c:pt>
-                <c:pt idx="1">
-                  <c:v>效率</c:v>
-                </c:pt>
-                <c:pt idx="2">
-                  <c:v>态度</c:v>
-                </c:pt>
-                <c:pt idx="3">
-                  <c:v>工作量</c:v>
-                </c:pt>
-                <c:pt idx="4">
-                  <c:v>纪律</c:v>
-                </c:pt>
-              </c:strCache>
-            </c:strRef>
-          </c:cat>
-          <c:val>
-            <c:numRef>
-              <c:f>Sheet1!$C$2:$C$6</c:f>
-              <c:numCache>
-                <c:formatCode>General</c:formatCode>
-                <c:ptCount val="5"/>
-                <c:pt idx="0">
-                  <c:v>7</c:v>
-                </c:pt>
-                <c:pt idx="1">
-                  <c:v>9</c:v>
-                </c:pt>
-                <c:pt idx="2">
-                  <c:v>10</c:v>
-                </c:pt>
-                <c:pt idx="3">
-                  <c:v>7</c:v>
-                </c:pt>
-                <c:pt idx="4">
-                  <c:v>10</c:v>
-                </c:pt>
-              </c:numCache>
-            </c:numRef>
-          </c:val>
-          <c:extLst>
-            <c:ext xmlns:c16="http://schemas.microsoft.com/office/drawing/2014/chart" uri="{C3380CC4-5D6E-409C-BE32-E72D297353CC}">
-              <c16:uniqueId val="{00000001-2773-49ED-8D1A-147913BCABC4}"/>
-            </c:ext>
-          </c:extLst>
-        </c:ser>
-        <c:dLbls>
-          <c:showLegendKey val="0"/>
-          <c:showVal val="0"/>
-          <c:showCatName val="0"/>
-          <c:showSerName val="0"/>
-          <c:showPercent val="0"/>
-          <c:showBubbleSize val="0"/>
-        </c:dLbls>
-        <c:axId val="266548736"/>
-        <c:axId val="264428864"/>
-      </c:radarChart>
-      <c:catAx>
-        <c:axId val="266548736"/>
-        <c:scaling>
-          <c:orientation val="minMax"/>
-        </c:scaling>
-        <c:delete val="0"/>
-        <c:axPos val="b"/>
-        <c:majorGridlines/>
-        <c:numFmt formatCode="General" sourceLinked="1"/>
-        <c:majorTickMark val="out"/>
-        <c:minorTickMark val="none"/>
-        <c:tickLblPos val="nextTo"/>
-        <c:txPr>
-          <a:bodyPr rot="-60000000" spcFirstLastPara="0" vertOverflow="ellipsis" vert="horz" wrap="square" anchor="ctr" anchorCtr="1"/>
-          <a:lstStyle/>
-          <a:p>
-            <a:pPr>
-              <a:defRPr lang="zh-CN" sz="1800" b="0" i="0" u="none" strike="noStrike" kern="1200" baseline="0">
-                <a:solidFill>
-                  <a:schemeClr val="tx1"/>
-                </a:solidFill>
-                <a:latin typeface="+mn-lt"/>
-                <a:ea typeface="+mn-ea"/>
-                <a:cs typeface="+mn-cs"/>
-              </a:defRPr>
-            </a:pPr>
-            <a:endParaRPr lang="zh-CN"/>
-          </a:p>
-        </c:txPr>
-        <c:crossAx val="264428864"/>
-        <c:crosses val="autoZero"/>
-        <c:auto val="1"/>
-        <c:lblAlgn val="ctr"/>
-        <c:lblOffset val="100"/>
-        <c:noMultiLvlLbl val="0"/>
-      </c:catAx>
-      <c:valAx>
-        <c:axId val="264428864"/>
-        <c:scaling>
-          <c:orientation val="minMax"/>
-        </c:scaling>
-        <c:delete val="0"/>
-        <c:axPos val="l"/>
-        <c:majorGridlines/>
-        <c:numFmt formatCode="General" sourceLinked="1"/>
-        <c:majorTickMark val="cross"/>
-        <c:minorTickMark val="none"/>
-        <c:tickLblPos val="nextTo"/>
-        <c:txPr>
-          <a:bodyPr rot="-60000000" spcFirstLastPara="0" vertOverflow="ellipsis" vert="horz" wrap="square" anchor="ctr" anchorCtr="1"/>
-          <a:lstStyle/>
-          <a:p>
-            <a:pPr>
-              <a:defRPr lang="zh-CN" sz="1800" b="0" i="0" u="none" strike="noStrike" kern="1200" baseline="0">
-                <a:solidFill>
-                  <a:schemeClr val="tx1"/>
-                </a:solidFill>
-                <a:latin typeface="+mn-lt"/>
-                <a:ea typeface="+mn-ea"/>
-                <a:cs typeface="+mn-cs"/>
-              </a:defRPr>
-            </a:pPr>
-            <a:endParaRPr lang="zh-CN"/>
-          </a:p>
-        </c:txPr>
-        <c:crossAx val="266548736"/>
-        <c:crosses val="autoZero"/>
-        <c:crossBetween val="between"/>
-      </c:valAx>
-    </c:plotArea>
-    <c:legend>
-      <c:legendPos val="r"/>
-      <c:layout/>
-      <c:overlay val="0"/>
-      <c:txPr>
-        <a:bodyPr rot="0" spcFirstLastPara="0" vertOverflow="ellipsis" vert="horz" wrap="square" anchor="ctr" anchorCtr="1"/>
-        <a:lstStyle/>
-        <a:p>
-          <a:pPr>
-            <a:defRPr lang="zh-CN" sz="1800" b="0" i="0" u="none" strike="noStrike" kern="1200" baseline="0">
-              <a:solidFill>
-                <a:schemeClr val="tx1"/>
-              </a:solidFill>
-              <a:latin typeface="+mn-lt"/>
-              <a:ea typeface="+mn-ea"/>
-              <a:cs typeface="+mn-cs"/>
-            </a:defRPr>
-          </a:pPr>
-          <a:endParaRPr lang="zh-CN"/>
-        </a:p>
-      </c:txPr>
-    </c:legend>
-    <c:plotVisOnly val="1"/>
-    <c:dispBlanksAs val="gap"/>
-    <c:showDLblsOverMax val="0"/>
-  </c:chart>
-  <c:txPr>
-    <a:bodyPr/>
-    <a:lstStyle/>
-    <a:p>
-      <a:pPr>
-        <a:defRPr lang="zh-CN" sz="1800"/>
-      </a:pPr>
-      <a:endParaRPr lang="zh-CN"/>
-    </a:p>
-  </c:txPr>
-  <c:externalData r:id="rId1">
-    <c:autoUpdate val="0"/>
-  </c:externalData>
-</c:chartSpace>
-</file>
-
 <file path=ppt/handoutMasters/handoutMaster1.xml><?xml version="1.0" encoding="utf-8"?>
 <p:handoutMaster xmlns:a="http://schemas.openxmlformats.org/drawingml/2006/main" xmlns:r="http://schemas.openxmlformats.org/officeDocument/2006/relationships" xmlns:p="http://schemas.openxmlformats.org/presentationml/2006/main">
   <p:cSld>
@@ -1794,7 +272,7 @@
           <a:p>
             <a:fld id="{5D1C15E6-6BD2-4E4B-B1D4-218C26E1B228}" type="datetimeFigureOut">
               <a:rPr lang="zh-CN" altLang="en-US" smtClean="0"/>
-              <a:t>2019/1/12</a:t>
+              <a:t>2019/1/13</a:t>
             </a:fld>
             <a:endParaRPr lang="zh-CN" altLang="en-US"/>
           </a:p>
@@ -1959,7 +437,7 @@
           <a:p>
             <a:fld id="{0B17430C-5A66-4BD0-A971-34190B6C6019}" type="datetimeFigureOut">
               <a:rPr lang="zh-CN" altLang="en-US" smtClean="0"/>
-              <a:t>2019/1/12</a:t>
+              <a:t>2019/1/13</a:t>
             </a:fld>
             <a:endParaRPr lang="zh-CN" altLang="en-US"/>
           </a:p>
@@ -2454,7 +932,7 @@
           <a:p>
             <a:fld id="{74AC173A-3DA8-4893-B28A-1E15F55C330A}" type="slidenum">
               <a:rPr lang="zh-CN" altLang="en-US" smtClean="0"/>
-              <a:t>19</a:t>
+              <a:t>20</a:t>
             </a:fld>
             <a:endParaRPr lang="zh-CN" altLang="en-US"/>
           </a:p>
@@ -2538,7 +1016,7 @@
           <a:p>
             <a:fld id="{74AC173A-3DA8-4893-B28A-1E15F55C330A}" type="slidenum">
               <a:rPr lang="zh-CN" altLang="en-US" smtClean="0"/>
-              <a:t>20</a:t>
+              <a:t>22</a:t>
             </a:fld>
             <a:endParaRPr lang="zh-CN" altLang="en-US"/>
           </a:p>
@@ -2547,7 +1025,7 @@
     </p:spTree>
     <p:extLst>
       <p:ext uri="{BB962C8B-B14F-4D97-AF65-F5344CB8AC3E}">
-        <p14:creationId xmlns:p14="http://schemas.microsoft.com/office/powerpoint/2010/main" val="3370325408"/>
+        <p14:creationId xmlns:p14="http://schemas.microsoft.com/office/powerpoint/2010/main" val="4080993218"/>
       </p:ext>
     </p:extLst>
   </p:cSld>
@@ -2622,7 +1100,7 @@
           <a:p>
             <a:fld id="{74AC173A-3DA8-4893-B28A-1E15F55C330A}" type="slidenum">
               <a:rPr lang="zh-CN" altLang="en-US" smtClean="0"/>
-              <a:t>22</a:t>
+              <a:t>24</a:t>
             </a:fld>
             <a:endParaRPr lang="zh-CN" altLang="en-US"/>
           </a:p>
@@ -2631,7 +1109,7 @@
     </p:spTree>
     <p:extLst>
       <p:ext uri="{BB962C8B-B14F-4D97-AF65-F5344CB8AC3E}">
-        <p14:creationId xmlns:p14="http://schemas.microsoft.com/office/powerpoint/2010/main" val="4080993218"/>
+        <p14:creationId xmlns:p14="http://schemas.microsoft.com/office/powerpoint/2010/main" val="1937640673"/>
       </p:ext>
     </p:extLst>
   </p:cSld>
@@ -2715,7 +1193,7 @@
     </p:spTree>
     <p:extLst>
       <p:ext uri="{BB962C8B-B14F-4D97-AF65-F5344CB8AC3E}">
-        <p14:creationId xmlns:p14="http://schemas.microsoft.com/office/powerpoint/2010/main" val="1937640673"/>
+        <p14:creationId xmlns:p14="http://schemas.microsoft.com/office/powerpoint/2010/main" val="2924968856"/>
       </p:ext>
     </p:extLst>
   </p:cSld>
@@ -2799,7 +1277,7 @@
     </p:spTree>
     <p:extLst>
       <p:ext uri="{BB962C8B-B14F-4D97-AF65-F5344CB8AC3E}">
-        <p14:creationId xmlns:p14="http://schemas.microsoft.com/office/powerpoint/2010/main" val="2924968856"/>
+        <p14:creationId xmlns:p14="http://schemas.microsoft.com/office/powerpoint/2010/main" val="3620629320"/>
       </p:ext>
     </p:extLst>
   </p:cSld>
@@ -2883,7 +1361,7 @@
     </p:spTree>
     <p:extLst>
       <p:ext uri="{BB962C8B-B14F-4D97-AF65-F5344CB8AC3E}">
-        <p14:creationId xmlns:p14="http://schemas.microsoft.com/office/powerpoint/2010/main" val="3620629320"/>
+        <p14:creationId xmlns:p14="http://schemas.microsoft.com/office/powerpoint/2010/main" val="2206248110"/>
       </p:ext>
     </p:extLst>
   </p:cSld>
@@ -2967,7 +1445,7 @@
     </p:spTree>
     <p:extLst>
       <p:ext uri="{BB962C8B-B14F-4D97-AF65-F5344CB8AC3E}">
-        <p14:creationId xmlns:p14="http://schemas.microsoft.com/office/powerpoint/2010/main" val="2206248110"/>
+        <p14:creationId xmlns:p14="http://schemas.microsoft.com/office/powerpoint/2010/main" val="4128584586"/>
       </p:ext>
     </p:extLst>
   </p:cSld>
@@ -3051,7 +1529,7 @@
     </p:spTree>
     <p:extLst>
       <p:ext uri="{BB962C8B-B14F-4D97-AF65-F5344CB8AC3E}">
-        <p14:creationId xmlns:p14="http://schemas.microsoft.com/office/powerpoint/2010/main" val="4128584586"/>
+        <p14:creationId xmlns:p14="http://schemas.microsoft.com/office/powerpoint/2010/main" val="3285733420"/>
       </p:ext>
     </p:extLst>
   </p:cSld>
@@ -3135,7 +1613,7 @@
     </p:spTree>
     <p:extLst>
       <p:ext uri="{BB962C8B-B14F-4D97-AF65-F5344CB8AC3E}">
-        <p14:creationId xmlns:p14="http://schemas.microsoft.com/office/powerpoint/2010/main" val="3285733420"/>
+        <p14:creationId xmlns:p14="http://schemas.microsoft.com/office/powerpoint/2010/main" val="2828390499"/>
       </p:ext>
     </p:extLst>
   </p:cSld>
@@ -3268,7 +1746,7 @@
           <a:bodyPr/>
           <a:lstStyle/>
           <a:p>
-            <a:endParaRPr lang="zh-CN" altLang="en-US" dirty="0"/>
+            <a:endParaRPr lang="zh-CN" altLang="en-US"/>
           </a:p>
         </p:txBody>
       </p:sp>
@@ -3296,11 +1774,6 @@
         </p:txBody>
       </p:sp>
     </p:spTree>
-    <p:extLst>
-      <p:ext uri="{BB962C8B-B14F-4D97-AF65-F5344CB8AC3E}">
-        <p14:creationId xmlns:p14="http://schemas.microsoft.com/office/powerpoint/2010/main" val="2828390499"/>
-      </p:ext>
-    </p:extLst>
   </p:cSld>
   <p:clrMapOvr>
     <a:masterClrMapping/>
@@ -3453,164 +1926,6 @@
             <a:fld id="{74AC173A-3DA8-4893-B28A-1E15F55C330A}" type="slidenum">
               <a:rPr lang="zh-CN" altLang="en-US" smtClean="0"/>
               <a:t>33</a:t>
-            </a:fld>
-            <a:endParaRPr lang="zh-CN" altLang="en-US"/>
-          </a:p>
-        </p:txBody>
-      </p:sp>
-    </p:spTree>
-  </p:cSld>
-  <p:clrMapOvr>
-    <a:masterClrMapping/>
-  </p:clrMapOvr>
-</p:notes>
-</file>
-
-<file path=ppt/notesSlides/notesSlide23.xml><?xml version="1.0" encoding="utf-8"?>
-<p:notes xmlns:a="http://schemas.openxmlformats.org/drawingml/2006/main" xmlns:r="http://schemas.openxmlformats.org/officeDocument/2006/relationships" xmlns:p="http://schemas.openxmlformats.org/presentationml/2006/main">
-  <p:cSld>
-    <p:spTree>
-      <p:nvGrpSpPr>
-        <p:cNvPr id="1" name=""/>
-        <p:cNvGrpSpPr/>
-        <p:nvPr/>
-      </p:nvGrpSpPr>
-      <p:grpSpPr>
-        <a:xfrm>
-          <a:off x="0" y="0"/>
-          <a:ext cx="0" cy="0"/>
-          <a:chOff x="0" y="0"/>
-          <a:chExt cx="0" cy="0"/>
-        </a:xfrm>
-      </p:grpSpPr>
-      <p:sp>
-        <p:nvSpPr>
-          <p:cNvPr id="2" name="幻灯片图像占位符 1"/>
-          <p:cNvSpPr>
-            <a:spLocks noGrp="1" noRot="1" noChangeAspect="1"/>
-          </p:cNvSpPr>
-          <p:nvPr>
-            <p:ph type="sldImg"/>
-          </p:nvPr>
-        </p:nvSpPr>
-        <p:spPr/>
-      </p:sp>
-      <p:sp>
-        <p:nvSpPr>
-          <p:cNvPr id="3" name="备注占位符 2"/>
-          <p:cNvSpPr>
-            <a:spLocks noGrp="1"/>
-          </p:cNvSpPr>
-          <p:nvPr>
-            <p:ph type="body" idx="1"/>
-          </p:nvPr>
-        </p:nvSpPr>
-        <p:spPr/>
-        <p:txBody>
-          <a:bodyPr/>
-          <a:lstStyle/>
-          <a:p>
-            <a:endParaRPr lang="zh-CN" altLang="en-US"/>
-          </a:p>
-        </p:txBody>
-      </p:sp>
-      <p:sp>
-        <p:nvSpPr>
-          <p:cNvPr id="4" name="灯片编号占位符 3"/>
-          <p:cNvSpPr>
-            <a:spLocks noGrp="1"/>
-          </p:cNvSpPr>
-          <p:nvPr>
-            <p:ph type="sldNum" sz="quarter" idx="10"/>
-          </p:nvPr>
-        </p:nvSpPr>
-        <p:spPr/>
-        <p:txBody>
-          <a:bodyPr/>
-          <a:lstStyle/>
-          <a:p>
-            <a:fld id="{74AC173A-3DA8-4893-B28A-1E15F55C330A}" type="slidenum">
-              <a:rPr lang="zh-CN" altLang="en-US" smtClean="0"/>
-              <a:t>34</a:t>
-            </a:fld>
-            <a:endParaRPr lang="zh-CN" altLang="en-US"/>
-          </a:p>
-        </p:txBody>
-      </p:sp>
-    </p:spTree>
-  </p:cSld>
-  <p:clrMapOvr>
-    <a:masterClrMapping/>
-  </p:clrMapOvr>
-</p:notes>
-</file>
-
-<file path=ppt/notesSlides/notesSlide24.xml><?xml version="1.0" encoding="utf-8"?>
-<p:notes xmlns:a="http://schemas.openxmlformats.org/drawingml/2006/main" xmlns:r="http://schemas.openxmlformats.org/officeDocument/2006/relationships" xmlns:p="http://schemas.openxmlformats.org/presentationml/2006/main">
-  <p:cSld>
-    <p:spTree>
-      <p:nvGrpSpPr>
-        <p:cNvPr id="1" name=""/>
-        <p:cNvGrpSpPr/>
-        <p:nvPr/>
-      </p:nvGrpSpPr>
-      <p:grpSpPr>
-        <a:xfrm>
-          <a:off x="0" y="0"/>
-          <a:ext cx="0" cy="0"/>
-          <a:chOff x="0" y="0"/>
-          <a:chExt cx="0" cy="0"/>
-        </a:xfrm>
-      </p:grpSpPr>
-      <p:sp>
-        <p:nvSpPr>
-          <p:cNvPr id="2" name="幻灯片图像占位符 1"/>
-          <p:cNvSpPr>
-            <a:spLocks noGrp="1" noRot="1" noChangeAspect="1"/>
-          </p:cNvSpPr>
-          <p:nvPr>
-            <p:ph type="sldImg"/>
-          </p:nvPr>
-        </p:nvSpPr>
-        <p:spPr/>
-      </p:sp>
-      <p:sp>
-        <p:nvSpPr>
-          <p:cNvPr id="3" name="备注占位符 2"/>
-          <p:cNvSpPr>
-            <a:spLocks noGrp="1"/>
-          </p:cNvSpPr>
-          <p:nvPr>
-            <p:ph type="body" idx="1"/>
-          </p:nvPr>
-        </p:nvSpPr>
-        <p:spPr/>
-        <p:txBody>
-          <a:bodyPr/>
-          <a:lstStyle/>
-          <a:p>
-            <a:endParaRPr lang="zh-CN" altLang="en-US"/>
-          </a:p>
-        </p:txBody>
-      </p:sp>
-      <p:sp>
-        <p:nvSpPr>
-          <p:cNvPr id="4" name="灯片编号占位符 3"/>
-          <p:cNvSpPr>
-            <a:spLocks noGrp="1"/>
-          </p:cNvSpPr>
-          <p:nvPr>
-            <p:ph type="sldNum" sz="quarter" idx="10"/>
-          </p:nvPr>
-        </p:nvSpPr>
-        <p:spPr/>
-        <p:txBody>
-          <a:bodyPr/>
-          <a:lstStyle/>
-          <a:p>
-            <a:fld id="{74AC173A-3DA8-4893-B28A-1E15F55C330A}" type="slidenum">
-              <a:rPr lang="zh-CN" altLang="en-US" smtClean="0"/>
-              <a:t>35</a:t>
             </a:fld>
             <a:endParaRPr lang="zh-CN" altLang="en-US"/>
           </a:p>
@@ -5310,7 +3625,7 @@
           <a:p>
             <a:fld id="{530820CF-B880-4189-942D-D702A7CBA730}" type="datetimeFigureOut">
               <a:rPr lang="zh-CN" altLang="en-US" smtClean="0"/>
-              <a:t>2019/1/12</a:t>
+              <a:t>2019/1/13</a:t>
             </a:fld>
             <a:endParaRPr lang="zh-CN" altLang="en-US"/>
           </a:p>
@@ -5427,7 +3742,7 @@
           <a:p>
             <a:fld id="{530820CF-B880-4189-942D-D702A7CBA730}" type="datetimeFigureOut">
               <a:rPr lang="zh-CN" altLang="en-US" smtClean="0"/>
-              <a:t>2019/1/12</a:t>
+              <a:t>2019/1/13</a:t>
             </a:fld>
             <a:endParaRPr lang="zh-CN" altLang="en-US"/>
           </a:p>
@@ -9996,7 +8311,7 @@
               </a:spcAft>
             </a:pPr>
             <a:r>
-              <a:rPr lang="zh-CN" altLang="zh-CN" sz="2000" dirty="0">
+              <a:rPr lang="zh-CN" altLang="zh-CN" sz="2000" dirty="0" smtClean="0">
                 <a:latin typeface="宋体" panose="02010600030101010101" pitchFamily="2" charset="-122"/>
                 <a:cs typeface="宋体" panose="02010600030101010101" pitchFamily="2" charset="-122"/>
               </a:rPr>
@@ -10007,7 +8322,14 @@
                 <a:latin typeface="宋体" panose="02010600030101010101" pitchFamily="2" charset="-122"/>
                 <a:cs typeface="宋体" panose="02010600030101010101" pitchFamily="2" charset="-122"/>
               </a:rPr>
-              <a:t>200</a:t>
+              <a:t>3</a:t>
+            </a:r>
+            <a:r>
+              <a:rPr lang="en-US" altLang="zh-CN" sz="2000" dirty="0" smtClean="0">
+                <a:latin typeface="宋体" panose="02010600030101010101" pitchFamily="2" charset="-122"/>
+                <a:cs typeface="宋体" panose="02010600030101010101" pitchFamily="2" charset="-122"/>
+              </a:rPr>
+              <a:t>00</a:t>
             </a:r>
             <a:r>
               <a:rPr lang="zh-CN" altLang="zh-CN" sz="2000" dirty="0">
@@ -10038,18 +8360,18 @@
               </a:spcAft>
             </a:pPr>
             <a:r>
-              <a:rPr lang="zh-CN" altLang="zh-CN" sz="2000" dirty="0">
+              <a:rPr lang="zh-CN" altLang="zh-CN" sz="2000" dirty="0" smtClean="0">
                 <a:latin typeface="宋体" panose="02010600030101010101" pitchFamily="2" charset="-122"/>
                 <a:cs typeface="宋体" panose="02010600030101010101" pitchFamily="2" charset="-122"/>
               </a:rPr>
               <a:t>支持</a:t>
             </a:r>
             <a:r>
-              <a:rPr lang="en-US" altLang="zh-CN" sz="2000" dirty="0">
+              <a:rPr lang="en-US" altLang="zh-CN" sz="2000" dirty="0" smtClean="0">
                 <a:latin typeface="宋体" panose="02010600030101010101" pitchFamily="2" charset="-122"/>
                 <a:cs typeface="宋体" panose="02010600030101010101" pitchFamily="2" charset="-122"/>
               </a:rPr>
-              <a:t>200</a:t>
+              <a:t>300</a:t>
             </a:r>
             <a:r>
               <a:rPr lang="zh-CN" altLang="zh-CN" sz="2000" dirty="0">
@@ -10129,32 +8451,39 @@
               <a:t>网站每天平均工作时间在至少</a:t>
             </a:r>
             <a:r>
-              <a:rPr lang="en-US" altLang="zh-CN" sz="2000" dirty="0">
+              <a:rPr lang="en-US" altLang="zh-CN" sz="2000" dirty="0" smtClean="0">
                 <a:latin typeface="宋体" panose="02010600030101010101" pitchFamily="2" charset="-122"/>
                 <a:cs typeface="宋体" panose="02010600030101010101" pitchFamily="2" charset="-122"/>
               </a:rPr>
-              <a:t>18</a:t>
+              <a:t>16</a:t>
+            </a:r>
+            <a:r>
+              <a:rPr lang="zh-CN" altLang="zh-CN" sz="2000" dirty="0" smtClean="0">
+                <a:latin typeface="宋体" panose="02010600030101010101" pitchFamily="2" charset="-122"/>
+                <a:cs typeface="宋体" panose="02010600030101010101" pitchFamily="2" charset="-122"/>
+              </a:rPr>
+              <a:t>小时（</a:t>
+            </a:r>
+            <a:r>
+              <a:rPr lang="en-US" altLang="zh-CN" sz="2000" dirty="0" smtClean="0">
+                <a:latin typeface="宋体" panose="02010600030101010101" pitchFamily="2" charset="-122"/>
+                <a:cs typeface="宋体" panose="02010600030101010101" pitchFamily="2" charset="-122"/>
+              </a:rPr>
+              <a:t>8</a:t>
+            </a:r>
+            <a:r>
+              <a:rPr lang="zh-CN" altLang="zh-CN" sz="2000" dirty="0" smtClean="0">
+                <a:latin typeface="宋体" panose="02010600030101010101" pitchFamily="2" charset="-122"/>
+                <a:cs typeface="宋体" panose="02010600030101010101" pitchFamily="2" charset="-122"/>
+              </a:rPr>
+              <a:t>点</a:t>
             </a:r>
             <a:r>
               <a:rPr lang="zh-CN" altLang="zh-CN" sz="2000" dirty="0">
                 <a:latin typeface="宋体" panose="02010600030101010101" pitchFamily="2" charset="-122"/>
                 <a:cs typeface="宋体" panose="02010600030101010101" pitchFamily="2" charset="-122"/>
               </a:rPr>
-              <a:t>小时（</a:t>
-            </a:r>
-            <a:r>
-              <a:rPr lang="en-US" altLang="zh-CN" sz="2000" dirty="0">
-                <a:latin typeface="宋体" panose="02010600030101010101" pitchFamily="2" charset="-122"/>
-                <a:cs typeface="宋体" panose="02010600030101010101" pitchFamily="2" charset="-122"/>
-              </a:rPr>
-              <a:t>6</a:t>
-            </a:r>
-            <a:r>
-              <a:rPr lang="zh-CN" altLang="zh-CN" sz="2000" dirty="0">
-                <a:latin typeface="宋体" panose="02010600030101010101" pitchFamily="2" charset="-122"/>
-                <a:cs typeface="宋体" panose="02010600030101010101" pitchFamily="2" charset="-122"/>
-              </a:rPr>
-              <a:t>点到</a:t>
+              <a:t>到</a:t>
             </a:r>
             <a:r>
               <a:rPr lang="en-US" altLang="zh-CN" sz="2000" dirty="0">
@@ -10669,7 +8998,7 @@
             <a:pPr algn="ctr"/>
             <a:r>
               <a:rPr lang="en-US" sz="2400" dirty="0" smtClean="0"/>
-              <a:t>5</a:t>
+              <a:t>8</a:t>
             </a:r>
             <a:endParaRPr lang="en-US" sz="2400" dirty="0"/>
           </a:p>
@@ -10683,7 +9012,7 @@
         </p:nvSpPr>
         <p:spPr>
           <a:xfrm>
-            <a:off x="2134766" y="136617"/>
+            <a:off x="2206068" y="159851"/>
             <a:ext cx="6052718" cy="501650"/>
           </a:xfrm>
           <a:prstGeom prst="rect">
@@ -10715,7 +9044,17 @@
                 <a:latin typeface="微软雅黑" panose="020B0503020204020204" pitchFamily="34" charset="-122"/>
                 <a:ea typeface="微软雅黑" panose="020B0503020204020204" pitchFamily="34" charset="-122"/>
               </a:rPr>
-              <a:t>JAD</a:t>
+              <a:t>QFD</a:t>
+            </a:r>
+            <a:r>
+              <a:rPr lang="zh-CN" altLang="en-US" sz="2665" dirty="0">
+                <a:solidFill>
+                  <a:srgbClr val="183A5D"/>
+                </a:solidFill>
+                <a:latin typeface="微软雅黑" panose="020B0503020204020204" pitchFamily="34" charset="-122"/>
+                <a:ea typeface="微软雅黑" panose="020B0503020204020204" pitchFamily="34" charset="-122"/>
+              </a:rPr>
+              <a:t>优先级打分</a:t>
             </a:r>
             <a:r>
               <a:rPr lang="zh-CN" altLang="en-US" sz="2665" dirty="0" smtClean="0">
@@ -10725,7 +9064,7 @@
                 <a:latin typeface="微软雅黑" panose="020B0503020204020204" pitchFamily="34" charset="-122"/>
                 <a:ea typeface="微软雅黑" panose="020B0503020204020204" pitchFamily="34" charset="-122"/>
               </a:rPr>
-              <a:t>会议）</a:t>
+              <a:t>）</a:t>
             </a:r>
             <a:endParaRPr lang="zh-CN" altLang="en-US" sz="2665" dirty="0">
               <a:solidFill>
@@ -10746,21 +9085,15 @@
           <p:nvPr/>
         </p:nvPicPr>
         <p:blipFill>
-          <a:blip r:embed="rId3">
-            <a:extLst>
-              <a:ext uri="{28A0092B-C50C-407E-A947-70E740481C1C}">
-                <a14:useLocalDpi xmlns:a14="http://schemas.microsoft.com/office/drawing/2010/main" val="0"/>
-              </a:ext>
-            </a:extLst>
-          </a:blip>
+          <a:blip r:embed="rId2"/>
           <a:stretch>
             <a:fillRect/>
           </a:stretch>
         </p:blipFill>
         <p:spPr>
           <a:xfrm>
-            <a:off x="237030" y="779981"/>
-            <a:ext cx="5953716" cy="4320480"/>
+            <a:off x="334566" y="661467"/>
+            <a:ext cx="7720227" cy="4004493"/>
           </a:xfrm>
           <a:prstGeom prst="rect">
             <a:avLst/>
@@ -10776,33 +9109,64 @@
           <p:nvPr/>
         </p:nvPicPr>
         <p:blipFill>
-          <a:blip r:embed="rId4">
-            <a:extLst>
-              <a:ext uri="{28A0092B-C50C-407E-A947-70E740481C1C}">
-                <a14:useLocalDpi xmlns:a14="http://schemas.microsoft.com/office/drawing/2010/main" val="0"/>
-              </a:ext>
-            </a:extLst>
-          </a:blip>
+          <a:blip r:embed="rId3"/>
           <a:stretch>
             <a:fillRect/>
           </a:stretch>
         </p:blipFill>
         <p:spPr>
           <a:xfrm>
-            <a:off x="6599262" y="1773610"/>
-            <a:ext cx="5001988" cy="4858847"/>
+            <a:off x="4837357" y="2277666"/>
+            <a:ext cx="7344816" cy="4431908"/>
           </a:xfrm>
           <a:prstGeom prst="rect">
             <a:avLst/>
           </a:prstGeom>
         </p:spPr>
       </p:pic>
+      <p:sp>
+        <p:nvSpPr>
+          <p:cNvPr id="9" name="文本框 8"/>
+          <p:cNvSpPr txBox="1"/>
+          <p:nvPr/>
+        </p:nvSpPr>
+        <p:spPr>
+          <a:xfrm>
+            <a:off x="838622" y="5797340"/>
+            <a:ext cx="6052718" cy="501650"/>
+          </a:xfrm>
+          <a:prstGeom prst="rect">
+            <a:avLst/>
+          </a:prstGeom>
+          <a:noFill/>
+        </p:spPr>
+        <p:txBody>
+          <a:bodyPr wrap="square" rtlCol="0">
+            <a:spAutoFit/>
+          </a:bodyPr>
+          <a:lstStyle/>
+          <a:p>
+            <a:r>
+              <a:rPr lang="zh-CN" altLang="en-US" sz="2665" dirty="0" smtClean="0">
+                <a:solidFill>
+                  <a:srgbClr val="183A5D"/>
+                </a:solidFill>
+                <a:latin typeface="微软雅黑" panose="020B0503020204020204" pitchFamily="34" charset="-122"/>
+                <a:ea typeface="微软雅黑" panose="020B0503020204020204" pitchFamily="34" charset="-122"/>
+              </a:rPr>
+              <a:t>详见优先级打分表</a:t>
+            </a:r>
+            <a:endParaRPr lang="zh-CN" altLang="en-US" sz="2665" dirty="0">
+              <a:solidFill>
+                <a:srgbClr val="183A5D"/>
+              </a:solidFill>
+              <a:latin typeface="微软雅黑" panose="020B0503020204020204" pitchFamily="34" charset="-122"/>
+              <a:ea typeface="微软雅黑" panose="020B0503020204020204" pitchFamily="34" charset="-122"/>
+            </a:endParaRPr>
+          </a:p>
+        </p:txBody>
+      </p:sp>
     </p:spTree>
-    <p:extLst>
-      <p:ext uri="{BB962C8B-B14F-4D97-AF65-F5344CB8AC3E}">
-        <p14:creationId xmlns:p14="http://schemas.microsoft.com/office/powerpoint/2010/main" val="3169664064"/>
-      </p:ext>
-    </p:extLst>
   </p:cSld>
   <p:clrMapOvr>
     <a:masterClrMapping/>
@@ -12736,18 +11100,13 @@
               <a:defRPr/>
             </a:pPr>
             <a:r>
-              <a:rPr lang="en-US" altLang="zh-CN" sz="3600" dirty="0" smtClean="0">
+              <a:rPr lang="en-US" altLang="zh-CN" sz="3600" dirty="0">
                 <a:latin typeface="+mj-lt"/>
                 <a:ea typeface="Arial Unicode MS" panose="020B0604020202020204" pitchFamily="34" charset="-122"/>
                 <a:cs typeface="Arial Unicode MS" panose="020B0604020202020204" pitchFamily="34" charset="-122"/>
               </a:rPr>
-              <a:t>9</a:t>
+              <a:t>8</a:t>
             </a:r>
-            <a:endParaRPr lang="en-US" altLang="zh-CN" sz="3600" dirty="0">
-              <a:latin typeface="+mj-lt"/>
-              <a:ea typeface="Arial Unicode MS" panose="020B0604020202020204" pitchFamily="34" charset="-122"/>
-              <a:cs typeface="Arial Unicode MS" panose="020B0604020202020204" pitchFamily="34" charset="-122"/>
-            </a:endParaRPr>
           </a:p>
         </p:txBody>
       </p:sp>
@@ -12884,193 +11243,6 @@
       </p:grpSp>
       <p:sp>
         <p:nvSpPr>
-          <p:cNvPr id="90" name="圆角矩形 89"/>
-          <p:cNvSpPr/>
-          <p:nvPr/>
-        </p:nvSpPr>
-        <p:spPr>
-          <a:xfrm>
-            <a:off x="3791583" y="5715454"/>
-            <a:ext cx="544750" cy="511504"/>
-          </a:xfrm>
-          <a:prstGeom prst="roundRect">
-            <a:avLst/>
-          </a:prstGeom>
-          <a:solidFill>
-            <a:schemeClr val="accent1"/>
-          </a:solidFill>
-          <a:ln>
-            <a:noFill/>
-          </a:ln>
-          <a:effectLst>
-            <a:outerShdw blurRad="50800" dist="38100" dir="5400000" algn="t" rotWithShape="0">
-              <a:prstClr val="black">
-                <a:alpha val="40000"/>
-              </a:prstClr>
-            </a:outerShdw>
-          </a:effectLst>
-        </p:spPr>
-        <p:style>
-          <a:lnRef idx="2">
-            <a:schemeClr val="accent1">
-              <a:shade val="50000"/>
-            </a:schemeClr>
-          </a:lnRef>
-          <a:fillRef idx="1">
-            <a:schemeClr val="accent1"/>
-          </a:fillRef>
-          <a:effectRef idx="0">
-            <a:schemeClr val="accent1"/>
-          </a:effectRef>
-          <a:fontRef idx="minor">
-            <a:schemeClr val="lt1"/>
-          </a:fontRef>
-        </p:style>
-        <p:txBody>
-          <a:bodyPr lIns="121960" tIns="60980" rIns="121960" bIns="60980" anchor="ctr"/>
-          <a:lstStyle/>
-          <a:p>
-            <a:pPr algn="ctr">
-              <a:defRPr/>
-            </a:pPr>
-            <a:r>
-              <a:rPr lang="en-US" altLang="zh-CN" sz="3600" dirty="0" smtClean="0">
-                <a:latin typeface="+mj-lt"/>
-                <a:ea typeface="Arial Unicode MS" panose="020B0604020202020204" pitchFamily="34" charset="-122"/>
-                <a:cs typeface="Arial Unicode MS" panose="020B0604020202020204" pitchFamily="34" charset="-122"/>
-              </a:rPr>
-              <a:t>8</a:t>
-            </a:r>
-            <a:endParaRPr lang="en-US" altLang="zh-CN" sz="3600" dirty="0">
-              <a:latin typeface="+mj-lt"/>
-              <a:ea typeface="Arial Unicode MS" panose="020B0604020202020204" pitchFamily="34" charset="-122"/>
-              <a:cs typeface="Arial Unicode MS" panose="020B0604020202020204" pitchFamily="34" charset="-122"/>
-            </a:endParaRPr>
-          </a:p>
-        </p:txBody>
-      </p:sp>
-      <p:grpSp>
-        <p:nvGrpSpPr>
-          <p:cNvPr id="91" name="组合 90"/>
-          <p:cNvGrpSpPr/>
-          <p:nvPr/>
-        </p:nvGrpSpPr>
-        <p:grpSpPr>
-          <a:xfrm>
-            <a:off x="4619197" y="5715559"/>
-            <a:ext cx="2664629" cy="511810"/>
-            <a:chOff x="6315199" y="2492728"/>
-            <a:chExt cx="4763290" cy="511504"/>
-          </a:xfrm>
-        </p:grpSpPr>
-        <p:sp>
-          <p:nvSpPr>
-            <p:cNvPr id="92" name="圆角矩形 91"/>
-            <p:cNvSpPr/>
-            <p:nvPr/>
-          </p:nvSpPr>
-          <p:spPr>
-            <a:xfrm>
-              <a:off x="6315199" y="2492728"/>
-              <a:ext cx="3744416" cy="511504"/>
-            </a:xfrm>
-            <a:prstGeom prst="roundRect">
-              <a:avLst/>
-            </a:prstGeom>
-            <a:solidFill>
-              <a:schemeClr val="accent1"/>
-            </a:solidFill>
-            <a:ln>
-              <a:noFill/>
-            </a:ln>
-            <a:effectLst>
-              <a:outerShdw blurRad="50800" dist="38100" dir="5400000" algn="t" rotWithShape="0">
-                <a:prstClr val="black">
-                  <a:alpha val="40000"/>
-                </a:prstClr>
-              </a:outerShdw>
-            </a:effectLst>
-          </p:spPr>
-          <p:style>
-            <a:lnRef idx="2">
-              <a:schemeClr val="accent1">
-                <a:shade val="50000"/>
-              </a:schemeClr>
-            </a:lnRef>
-            <a:fillRef idx="1">
-              <a:schemeClr val="accent1"/>
-            </a:fillRef>
-            <a:effectRef idx="0">
-              <a:schemeClr val="accent1"/>
-            </a:effectRef>
-            <a:fontRef idx="minor">
-              <a:schemeClr val="lt1"/>
-            </a:fontRef>
-          </p:style>
-          <p:txBody>
-            <a:bodyPr lIns="121960" tIns="60980" rIns="121960" bIns="60980" anchor="ctr"/>
-            <a:lstStyle/>
-            <a:p>
-              <a:pPr algn="ctr">
-                <a:defRPr/>
-              </a:pPr>
-              <a:endParaRPr lang="zh-CN" altLang="en-US" sz="3600" dirty="0">
-                <a:latin typeface="+mj-lt"/>
-                <a:ea typeface="Arial Unicode MS" panose="020B0604020202020204" pitchFamily="34" charset="-122"/>
-                <a:cs typeface="Arial Unicode MS" panose="020B0604020202020204" pitchFamily="34" charset="-122"/>
-              </a:endParaRPr>
-            </a:p>
-          </p:txBody>
-        </p:sp>
-        <p:sp>
-          <p:nvSpPr>
-            <p:cNvPr id="93" name="矩形 92"/>
-            <p:cNvSpPr/>
-            <p:nvPr/>
-          </p:nvSpPr>
-          <p:spPr>
-            <a:xfrm>
-              <a:off x="6723878" y="2533403"/>
-              <a:ext cx="4354611" cy="430670"/>
-            </a:xfrm>
-            <a:prstGeom prst="rect">
-              <a:avLst/>
-            </a:prstGeom>
-          </p:spPr>
-          <p:txBody>
-            <a:bodyPr wrap="square" lIns="121960" tIns="60980" rIns="121960" bIns="60980">
-              <a:spAutoFit/>
-            </a:bodyPr>
-            <a:lstStyle/>
-            <a:p>
-              <a:pPr>
-                <a:defRPr/>
-              </a:pPr>
-              <a:r>
-                <a:rPr lang="zh-CN" altLang="en-US" sz="2000" b="1" kern="100" dirty="0" smtClean="0">
-                  <a:solidFill>
-                    <a:schemeClr val="bg1"/>
-                  </a:solidFill>
-                  <a:latin typeface="微软雅黑" panose="020B0503020204020204" pitchFamily="34" charset="-122"/>
-                  <a:ea typeface="微软雅黑" panose="020B0503020204020204" pitchFamily="34" charset="-122"/>
-                  <a:cs typeface="Times New Roman" panose="02020603050405020304" pitchFamily="18" charset="0"/>
-                </a:rPr>
-                <a:t>需求优先级</a:t>
-              </a:r>
-              <a:endParaRPr lang="zh-CN" altLang="zh-CN" sz="2000" b="1" kern="100" dirty="0">
-                <a:solidFill>
-                  <a:schemeClr val="bg1"/>
-                </a:solidFill>
-                <a:latin typeface="微软雅黑" panose="020B0503020204020204" pitchFamily="34" charset="-122"/>
-                <a:ea typeface="微软雅黑" panose="020B0503020204020204" pitchFamily="34" charset="-122"/>
-                <a:cs typeface="Times New Roman" panose="02020603050405020304" pitchFamily="18" charset="0"/>
-              </a:endParaRPr>
-            </a:p>
-          </p:txBody>
-        </p:sp>
-      </p:grpSp>
-      <p:sp>
-        <p:nvSpPr>
           <p:cNvPr id="94" name="圆角矩形 93"/>
           <p:cNvSpPr/>
           <p:nvPr/>
@@ -13126,7 +11298,7 @@
                 <a:ea typeface="Arial Unicode MS" panose="020B0604020202020204" pitchFamily="34" charset="-122"/>
                 <a:cs typeface="Arial Unicode MS" panose="020B0604020202020204" pitchFamily="34" charset="-122"/>
               </a:rPr>
-              <a:t>10</a:t>
+              <a:t>9</a:t>
             </a:r>
           </a:p>
         </p:txBody>
@@ -13303,13 +11475,18 @@
               <a:defRPr/>
             </a:pPr>
             <a:r>
-              <a:rPr lang="en-US" altLang="zh-CN" sz="3600" dirty="0">
+              <a:rPr lang="en-US" altLang="zh-CN" sz="3600" dirty="0" smtClean="0">
                 <a:latin typeface="+mj-lt"/>
                 <a:ea typeface="Arial Unicode MS" panose="020B0604020202020204" pitchFamily="34" charset="-122"/>
                 <a:cs typeface="Arial Unicode MS" panose="020B0604020202020204" pitchFamily="34" charset="-122"/>
               </a:rPr>
-              <a:t>11</a:t>
+              <a:t>10</a:t>
             </a:r>
+            <a:endParaRPr lang="en-US" altLang="zh-CN" sz="3600" dirty="0">
+              <a:latin typeface="+mj-lt"/>
+              <a:ea typeface="Arial Unicode MS" panose="020B0604020202020204" pitchFamily="34" charset="-122"/>
+              <a:cs typeface="Arial Unicode MS" panose="020B0604020202020204" pitchFamily="34" charset="-122"/>
+            </a:endParaRPr>
           </a:p>
         </p:txBody>
       </p:sp>
@@ -13490,7 +11667,7 @@
                 <a:ea typeface="Arial Unicode MS" panose="020B0604020202020204" pitchFamily="34" charset="-122"/>
                 <a:cs typeface="Arial Unicode MS" panose="020B0604020202020204" pitchFamily="34" charset="-122"/>
               </a:rPr>
-              <a:t>13</a:t>
+              <a:t>12</a:t>
             </a:r>
             <a:endParaRPr lang="en-US" altLang="zh-CN" sz="3600" dirty="0">
               <a:latin typeface="+mj-lt"/>
@@ -13677,7 +11854,7 @@
                 <a:ea typeface="Arial Unicode MS" panose="020B0604020202020204" pitchFamily="34" charset="-122"/>
                 <a:cs typeface="Arial Unicode MS" panose="020B0604020202020204" pitchFamily="34" charset="-122"/>
               </a:rPr>
-              <a:t>15</a:t>
+              <a:t>14</a:t>
             </a:r>
             <a:endParaRPr lang="en-US" altLang="zh-CN" sz="3600" dirty="0">
               <a:latin typeface="+mj-lt"/>
@@ -13864,7 +12041,7 @@
                 <a:ea typeface="Arial Unicode MS" panose="020B0604020202020204" pitchFamily="34" charset="-122"/>
                 <a:cs typeface="Arial Unicode MS" panose="020B0604020202020204" pitchFamily="34" charset="-122"/>
               </a:rPr>
-              <a:t>14</a:t>
+              <a:t>13</a:t>
             </a:r>
             <a:endParaRPr lang="en-US" altLang="zh-CN" sz="3600" dirty="0">
               <a:latin typeface="+mj-lt"/>
@@ -14046,13 +12223,18 @@
               <a:defRPr/>
             </a:pPr>
             <a:r>
-              <a:rPr lang="en-US" altLang="zh-CN" sz="3600" dirty="0">
+              <a:rPr lang="en-US" altLang="zh-CN" sz="3600" dirty="0" smtClean="0">
                 <a:latin typeface="+mj-lt"/>
                 <a:ea typeface="Arial Unicode MS" panose="020B0604020202020204" pitchFamily="34" charset="-122"/>
                 <a:cs typeface="Arial Unicode MS" panose="020B0604020202020204" pitchFamily="34" charset="-122"/>
               </a:rPr>
-              <a:t>12</a:t>
+              <a:t>11</a:t>
             </a:r>
+            <a:endParaRPr lang="en-US" altLang="zh-CN" sz="3600" dirty="0">
+              <a:latin typeface="+mj-lt"/>
+              <a:ea typeface="Arial Unicode MS" panose="020B0604020202020204" pitchFamily="34" charset="-122"/>
+              <a:cs typeface="Arial Unicode MS" panose="020B0604020202020204" pitchFamily="34" charset="-122"/>
+            </a:endParaRPr>
           </a:p>
         </p:txBody>
       </p:sp>
@@ -15630,7 +13812,7 @@
                                           </p:stCondLst>
                                         </p:cTn>
                                         <p:tgtEl>
-                                          <p:spTgt spid="90"/>
+                                          <p:spTgt spid="94"/>
                                         </p:tgtEl>
                                         <p:attrNameLst>
                                           <p:attrName>style.visibility</p:attrName>
@@ -15644,7 +13826,7 @@
                                       <p:cBhvr>
                                         <p:cTn id="142" dur="1000"/>
                                         <p:tgtEl>
-                                          <p:spTgt spid="90"/>
+                                          <p:spTgt spid="94"/>
                                         </p:tgtEl>
                                       </p:cBhvr>
                                     </p:animEffect>
@@ -15661,7 +13843,7 @@
                                       <p:cBhvr>
                                         <p:cTn id="144" dur="700" fill="hold"/>
                                         <p:tgtEl>
-                                          <p:spTgt spid="90"/>
+                                          <p:spTgt spid="94"/>
                                         </p:tgtEl>
                                         <p:attrNameLst>
                                           <p:attrName>ppt_x</p:attrName>
@@ -15692,7 +13874,7 @@
                                       <p:cBhvr>
                                         <p:cTn id="147" dur="500" tmFilter="0, 0; .2, .5; .8, .5; 1, 0"/>
                                         <p:tgtEl>
-                                          <p:spTgt spid="90"/>
+                                          <p:spTgt spid="94"/>
                                         </p:tgtEl>
                                       </p:cBhvr>
                                     </p:animEffect>
@@ -15700,7 +13882,7 @@
                                       <p:cBhvr>
                                         <p:cTn id="148" dur="250" autoRev="1" fill="hold"/>
                                         <p:tgtEl>
-                                          <p:spTgt spid="90"/>
+                                          <p:spTgt spid="94"/>
                                         </p:tgtEl>
                                       </p:cBhvr>
                                       <p:by x="105000" y="105000"/>
@@ -15722,7 +13904,7 @@
                                           </p:stCondLst>
                                         </p:cTn>
                                         <p:tgtEl>
-                                          <p:spTgt spid="91"/>
+                                          <p:spTgt spid="95"/>
                                         </p:tgtEl>
                                         <p:attrNameLst>
                                           <p:attrName>style.visibility</p:attrName>
@@ -15736,7 +13918,7 @@
                                       <p:cBhvr>
                                         <p:cTn id="151" dur="500"/>
                                         <p:tgtEl>
-                                          <p:spTgt spid="91"/>
+                                          <p:spTgt spid="95"/>
                                         </p:tgtEl>
                                       </p:cBhvr>
                                     </p:animEffect>
@@ -15766,7 +13948,7 @@
                                           </p:stCondLst>
                                         </p:cTn>
                                         <p:tgtEl>
-                                          <p:spTgt spid="94"/>
+                                          <p:spTgt spid="98"/>
                                         </p:tgtEl>
                                         <p:attrNameLst>
                                           <p:attrName>style.visibility</p:attrName>
@@ -15780,7 +13962,7 @@
                                       <p:cBhvr>
                                         <p:cTn id="155" dur="1000"/>
                                         <p:tgtEl>
-                                          <p:spTgt spid="94"/>
+                                          <p:spTgt spid="98"/>
                                         </p:tgtEl>
                                       </p:cBhvr>
                                     </p:animEffect>
@@ -15797,7 +13979,7 @@
                                       <p:cBhvr>
                                         <p:cTn id="157" dur="700" fill="hold"/>
                                         <p:tgtEl>
-                                          <p:spTgt spid="94"/>
+                                          <p:spTgt spid="98"/>
                                         </p:tgtEl>
                                         <p:attrNameLst>
                                           <p:attrName>ppt_x</p:attrName>
@@ -15828,7 +14010,7 @@
                                       <p:cBhvr>
                                         <p:cTn id="160" dur="500" tmFilter="0, 0; .2, .5; .8, .5; 1, 0"/>
                                         <p:tgtEl>
-                                          <p:spTgt spid="94"/>
+                                          <p:spTgt spid="98"/>
                                         </p:tgtEl>
                                       </p:cBhvr>
                                     </p:animEffect>
@@ -15836,7 +14018,7 @@
                                       <p:cBhvr>
                                         <p:cTn id="161" dur="250" autoRev="1" fill="hold"/>
                                         <p:tgtEl>
-                                          <p:spTgt spid="94"/>
+                                          <p:spTgt spid="98"/>
                                         </p:tgtEl>
                                       </p:cBhvr>
                                       <p:by x="105000" y="105000"/>
@@ -15858,7 +14040,7 @@
                                           </p:stCondLst>
                                         </p:cTn>
                                         <p:tgtEl>
-                                          <p:spTgt spid="95"/>
+                                          <p:spTgt spid="99"/>
                                         </p:tgtEl>
                                         <p:attrNameLst>
                                           <p:attrName>style.visibility</p:attrName>
@@ -15872,7 +14054,7 @@
                                       <p:cBhvr>
                                         <p:cTn id="164" dur="500"/>
                                         <p:tgtEl>
-                                          <p:spTgt spid="95"/>
+                                          <p:spTgt spid="99"/>
                                         </p:tgtEl>
                                       </p:cBhvr>
                                     </p:animEffect>
@@ -15902,7 +14084,7 @@
                                           </p:stCondLst>
                                         </p:cTn>
                                         <p:tgtEl>
-                                          <p:spTgt spid="98"/>
+                                          <p:spTgt spid="102"/>
                                         </p:tgtEl>
                                         <p:attrNameLst>
                                           <p:attrName>style.visibility</p:attrName>
@@ -15916,7 +14098,7 @@
                                       <p:cBhvr>
                                         <p:cTn id="168" dur="1000"/>
                                         <p:tgtEl>
-                                          <p:spTgt spid="98"/>
+                                          <p:spTgt spid="102"/>
                                         </p:tgtEl>
                                       </p:cBhvr>
                                     </p:animEffect>
@@ -15933,7 +14115,7 @@
                                       <p:cBhvr>
                                         <p:cTn id="170" dur="700" fill="hold"/>
                                         <p:tgtEl>
-                                          <p:spTgt spid="98"/>
+                                          <p:spTgt spid="102"/>
                                         </p:tgtEl>
                                         <p:attrNameLst>
                                           <p:attrName>ppt_x</p:attrName>
@@ -15964,7 +14146,7 @@
                                       <p:cBhvr>
                                         <p:cTn id="173" dur="500" tmFilter="0, 0; .2, .5; .8, .5; 1, 0"/>
                                         <p:tgtEl>
-                                          <p:spTgt spid="98"/>
+                                          <p:spTgt spid="102"/>
                                         </p:tgtEl>
                                       </p:cBhvr>
                                     </p:animEffect>
@@ -15972,7 +14154,7 @@
                                       <p:cBhvr>
                                         <p:cTn id="174" dur="250" autoRev="1" fill="hold"/>
                                         <p:tgtEl>
-                                          <p:spTgt spid="98"/>
+                                          <p:spTgt spid="102"/>
                                         </p:tgtEl>
                                       </p:cBhvr>
                                       <p:by x="105000" y="105000"/>
@@ -15994,7 +14176,7 @@
                                           </p:stCondLst>
                                         </p:cTn>
                                         <p:tgtEl>
-                                          <p:spTgt spid="99"/>
+                                          <p:spTgt spid="103"/>
                                         </p:tgtEl>
                                         <p:attrNameLst>
                                           <p:attrName>style.visibility</p:attrName>
@@ -16008,7 +14190,7 @@
                                       <p:cBhvr>
                                         <p:cTn id="177" dur="500"/>
                                         <p:tgtEl>
-                                          <p:spTgt spid="99"/>
+                                          <p:spTgt spid="103"/>
                                         </p:tgtEl>
                                       </p:cBhvr>
                                     </p:animEffect>
@@ -16038,7 +14220,7 @@
                                           </p:stCondLst>
                                         </p:cTn>
                                         <p:tgtEl>
-                                          <p:spTgt spid="102"/>
+                                          <p:spTgt spid="106"/>
                                         </p:tgtEl>
                                         <p:attrNameLst>
                                           <p:attrName>style.visibility</p:attrName>
@@ -16052,7 +14234,7 @@
                                       <p:cBhvr>
                                         <p:cTn id="181" dur="1000"/>
                                         <p:tgtEl>
-                                          <p:spTgt spid="102"/>
+                                          <p:spTgt spid="106"/>
                                         </p:tgtEl>
                                       </p:cBhvr>
                                     </p:animEffect>
@@ -16069,7 +14251,7 @@
                                       <p:cBhvr>
                                         <p:cTn id="183" dur="700" fill="hold"/>
                                         <p:tgtEl>
-                                          <p:spTgt spid="102"/>
+                                          <p:spTgt spid="106"/>
                                         </p:tgtEl>
                                         <p:attrNameLst>
                                           <p:attrName>ppt_x</p:attrName>
@@ -16100,7 +14282,7 @@
                                       <p:cBhvr>
                                         <p:cTn id="186" dur="500" tmFilter="0, 0; .2, .5; .8, .5; 1, 0"/>
                                         <p:tgtEl>
-                                          <p:spTgt spid="102"/>
+                                          <p:spTgt spid="106"/>
                                         </p:tgtEl>
                                       </p:cBhvr>
                                     </p:animEffect>
@@ -16108,7 +14290,7 @@
                                       <p:cBhvr>
                                         <p:cTn id="187" dur="250" autoRev="1" fill="hold"/>
                                         <p:tgtEl>
-                                          <p:spTgt spid="102"/>
+                                          <p:spTgt spid="106"/>
                                         </p:tgtEl>
                                       </p:cBhvr>
                                       <p:by x="105000" y="105000"/>
@@ -16130,7 +14312,7 @@
                                           </p:stCondLst>
                                         </p:cTn>
                                         <p:tgtEl>
-                                          <p:spTgt spid="103"/>
+                                          <p:spTgt spid="107"/>
                                         </p:tgtEl>
                                         <p:attrNameLst>
                                           <p:attrName>style.visibility</p:attrName>
@@ -16144,7 +14326,7 @@
                                       <p:cBhvr>
                                         <p:cTn id="190" dur="500"/>
                                         <p:tgtEl>
-                                          <p:spTgt spid="103"/>
+                                          <p:spTgt spid="107"/>
                                         </p:tgtEl>
                                       </p:cBhvr>
                                     </p:animEffect>
@@ -16174,7 +14356,7 @@
                                           </p:stCondLst>
                                         </p:cTn>
                                         <p:tgtEl>
-                                          <p:spTgt spid="106"/>
+                                          <p:spTgt spid="110"/>
                                         </p:tgtEl>
                                         <p:attrNameLst>
                                           <p:attrName>style.visibility</p:attrName>
@@ -16188,7 +14370,7 @@
                                       <p:cBhvr>
                                         <p:cTn id="194" dur="1000"/>
                                         <p:tgtEl>
-                                          <p:spTgt spid="106"/>
+                                          <p:spTgt spid="110"/>
                                         </p:tgtEl>
                                       </p:cBhvr>
                                     </p:animEffect>
@@ -16205,7 +14387,7 @@
                                       <p:cBhvr>
                                         <p:cTn id="196" dur="700" fill="hold"/>
                                         <p:tgtEl>
-                                          <p:spTgt spid="106"/>
+                                          <p:spTgt spid="110"/>
                                         </p:tgtEl>
                                         <p:attrNameLst>
                                           <p:attrName>ppt_x</p:attrName>
@@ -16236,7 +14418,7 @@
                                       <p:cBhvr>
                                         <p:cTn id="199" dur="500" tmFilter="0, 0; .2, .5; .8, .5; 1, 0"/>
                                         <p:tgtEl>
-                                          <p:spTgt spid="106"/>
+                                          <p:spTgt spid="110"/>
                                         </p:tgtEl>
                                       </p:cBhvr>
                                     </p:animEffect>
@@ -16244,7 +14426,7 @@
                                       <p:cBhvr>
                                         <p:cTn id="200" dur="250" autoRev="1" fill="hold"/>
                                         <p:tgtEl>
-                                          <p:spTgt spid="106"/>
+                                          <p:spTgt spid="110"/>
                                         </p:tgtEl>
                                       </p:cBhvr>
                                       <p:by x="105000" y="105000"/>
@@ -16266,7 +14448,7 @@
                                           </p:stCondLst>
                                         </p:cTn>
                                         <p:tgtEl>
-                                          <p:spTgt spid="107"/>
+                                          <p:spTgt spid="79"/>
                                         </p:tgtEl>
                                         <p:attrNameLst>
                                           <p:attrName>style.visibility</p:attrName>
@@ -16280,7 +14462,7 @@
                                       <p:cBhvr>
                                         <p:cTn id="203" dur="500"/>
                                         <p:tgtEl>
-                                          <p:spTgt spid="107"/>
+                                          <p:spTgt spid="79"/>
                                         </p:tgtEl>
                                       </p:cBhvr>
                                     </p:animEffect>
@@ -16310,7 +14492,7 @@
                                           </p:stCondLst>
                                         </p:cTn>
                                         <p:tgtEl>
-                                          <p:spTgt spid="110"/>
+                                          <p:spTgt spid="82"/>
                                         </p:tgtEl>
                                         <p:attrNameLst>
                                           <p:attrName>style.visibility</p:attrName>
@@ -16324,7 +14506,7 @@
                                       <p:cBhvr>
                                         <p:cTn id="207" dur="1000"/>
                                         <p:tgtEl>
-                                          <p:spTgt spid="110"/>
+                                          <p:spTgt spid="82"/>
                                         </p:tgtEl>
                                       </p:cBhvr>
                                     </p:animEffect>
@@ -16341,7 +14523,7 @@
                                       <p:cBhvr>
                                         <p:cTn id="209" dur="700" fill="hold"/>
                                         <p:tgtEl>
-                                          <p:spTgt spid="110"/>
+                                          <p:spTgt spid="82"/>
                                         </p:tgtEl>
                                         <p:attrNameLst>
                                           <p:attrName>ppt_x</p:attrName>
@@ -16372,149 +14554,13 @@
                                       <p:cBhvr>
                                         <p:cTn id="212" dur="500" tmFilter="0, 0; .2, .5; .8, .5; 1, 0"/>
                                         <p:tgtEl>
-                                          <p:spTgt spid="110"/>
+                                          <p:spTgt spid="82"/>
                                         </p:tgtEl>
                                       </p:cBhvr>
                                     </p:animEffect>
                                     <p:animScale>
                                       <p:cBhvr>
                                         <p:cTn id="213" dur="250" autoRev="1" fill="hold"/>
-                                        <p:tgtEl>
-                                          <p:spTgt spid="110"/>
-                                        </p:tgtEl>
-                                      </p:cBhvr>
-                                      <p:by x="105000" y="105000"/>
-                                    </p:animScale>
-                                  </p:childTnLst>
-                                </p:cTn>
-                              </p:par>
-                              <p:par>
-                                <p:cTn id="214" presetID="22" presetClass="entr" presetSubtype="8" fill="hold" nodeType="withEffect">
-                                  <p:stCondLst>
-                                    <p:cond delay="500"/>
-                                  </p:stCondLst>
-                                  <p:childTnLst>
-                                    <p:set>
-                                      <p:cBhvr>
-                                        <p:cTn id="215" dur="1" fill="hold">
-                                          <p:stCondLst>
-                                            <p:cond delay="0"/>
-                                          </p:stCondLst>
-                                        </p:cTn>
-                                        <p:tgtEl>
-                                          <p:spTgt spid="79"/>
-                                        </p:tgtEl>
-                                        <p:attrNameLst>
-                                          <p:attrName>style.visibility</p:attrName>
-                                        </p:attrNameLst>
-                                      </p:cBhvr>
-                                      <p:to>
-                                        <p:strVal val="visible"/>
-                                      </p:to>
-                                    </p:set>
-                                    <p:animEffect transition="in" filter="wipe(left)">
-                                      <p:cBhvr>
-                                        <p:cTn id="216" dur="500"/>
-                                        <p:tgtEl>
-                                          <p:spTgt spid="79"/>
-                                        </p:tgtEl>
-                                      </p:cBhvr>
-                                    </p:animEffect>
-                                  </p:childTnLst>
-                                </p:cTn>
-                              </p:par>
-                            </p:childTnLst>
-                          </p:cTn>
-                        </p:par>
-                        <p:par>
-                          <p:cTn id="217" fill="hold">
-                            <p:stCondLst>
-                              <p:cond delay="29600"/>
-                            </p:stCondLst>
-                            <p:childTnLst>
-                              <p:par>
-                                <p:cTn id="218" presetID="10" presetClass="entr" presetSubtype="0" fill="hold" grpId="0" nodeType="afterEffect">
-                                  <p:stCondLst>
-                                    <p:cond delay="0"/>
-                                  </p:stCondLst>
-                                  <p:childTnLst>
-                                    <p:set>
-                                      <p:cBhvr>
-                                        <p:cTn id="219" dur="1" fill="hold">
-                                          <p:stCondLst>
-                                            <p:cond delay="0"/>
-                                          </p:stCondLst>
-                                        </p:cTn>
-                                        <p:tgtEl>
-                                          <p:spTgt spid="82"/>
-                                        </p:tgtEl>
-                                        <p:attrNameLst>
-                                          <p:attrName>style.visibility</p:attrName>
-                                        </p:attrNameLst>
-                                      </p:cBhvr>
-                                      <p:to>
-                                        <p:strVal val="visible"/>
-                                      </p:to>
-                                    </p:set>
-                                    <p:animEffect transition="in" filter="fade">
-                                      <p:cBhvr>
-                                        <p:cTn id="220" dur="1000"/>
-                                        <p:tgtEl>
-                                          <p:spTgt spid="82"/>
-                                        </p:tgtEl>
-                                      </p:cBhvr>
-                                    </p:animEffect>
-                                  </p:childTnLst>
-                                </p:cTn>
-                              </p:par>
-                              <p:par>
-                                <p:cTn id="221" presetID="56" presetClass="path" presetSubtype="0" accel="50000" decel="50000" fill="hold" grpId="1" nodeType="withEffect">
-                                  <p:stCondLst>
-                                    <p:cond delay="0"/>
-                                  </p:stCondLst>
-                                  <p:childTnLst>
-                                    <p:animMotion origin="layout" path="M -0.03737 0.04121 L -6.25E-7 -3.33333E-6 " pathEditMode="relative" rAng="0" ptsTypes="AA">
-                                      <p:cBhvr>
-                                        <p:cTn id="222" dur="700" fill="hold"/>
-                                        <p:tgtEl>
-                                          <p:spTgt spid="82"/>
-                                        </p:tgtEl>
-                                        <p:attrNameLst>
-                                          <p:attrName>ppt_x</p:attrName>
-                                          <p:attrName>ppt_y</p:attrName>
-                                        </p:attrNameLst>
-                                      </p:cBhvr>
-                                      <p:rCtr x="1862" y="-2060"/>
-                                    </p:animMotion>
-                                  </p:childTnLst>
-                                </p:cTn>
-                              </p:par>
-                            </p:childTnLst>
-                          </p:cTn>
-                        </p:par>
-                        <p:par>
-                          <p:cTn id="223" fill="hold">
-                            <p:stCondLst>
-                              <p:cond delay="30600"/>
-                            </p:stCondLst>
-                            <p:childTnLst>
-                              <p:par>
-                                <p:cTn id="224" presetID="26" presetClass="emph" presetSubtype="0" fill="hold" grpId="2" nodeType="afterEffect">
-                                  <p:stCondLst>
-                                    <p:cond delay="0"/>
-                                  </p:stCondLst>
-                                  <p:childTnLst>
-                                    <p:animEffect transition="out" filter="fade">
-                                      <p:cBhvr>
-                                        <p:cTn id="225" dur="500" tmFilter="0, 0; .2, .5; .8, .5; 1, 0"/>
-                                        <p:tgtEl>
-                                          <p:spTgt spid="82"/>
-                                        </p:tgtEl>
-                                      </p:cBhvr>
-                                    </p:animEffect>
-                                    <p:animScale>
-                                      <p:cBhvr>
-                                        <p:cTn id="226" dur="250" autoRev="1" fill="hold"/>
                                         <p:tgtEl>
                                           <p:spTgt spid="82"/>
                                         </p:tgtEl>
@@ -16582,9 +14628,6 @@
       <p:bldP spid="86" grpId="0" bldLvl="0" animBg="1"/>
       <p:bldP spid="86" grpId="1" bldLvl="0" animBg="1"/>
       <p:bldP spid="86" grpId="2" bldLvl="0" animBg="1"/>
-      <p:bldP spid="90" grpId="0" bldLvl="0" animBg="1"/>
-      <p:bldP spid="90" grpId="1" bldLvl="0" animBg="1"/>
-      <p:bldP spid="90" grpId="2" bldLvl="0" animBg="1"/>
       <p:bldP spid="94" grpId="0" bldLvl="0" animBg="1"/>
       <p:bldP spid="94" grpId="1" bldLvl="0" animBg="1"/>
       <p:bldP spid="94" grpId="2" bldLvl="0" animBg="1"/>
@@ -16751,7 +14794,27 @@
                 <a:latin typeface="微软雅黑" panose="020B0503020204020204" pitchFamily="34" charset="-122"/>
                 <a:ea typeface="微软雅黑" panose="020B0503020204020204" pitchFamily="34" charset="-122"/>
               </a:rPr>
-              <a:t>需求用例（其他）</a:t>
+              <a:t>需求用例（</a:t>
+            </a:r>
+            <a:r>
+              <a:rPr lang="en-US" altLang="zh-CN" sz="2665" dirty="0" smtClean="0">
+                <a:solidFill>
+                  <a:srgbClr val="183A5D"/>
+                </a:solidFill>
+                <a:latin typeface="微软雅黑" panose="020B0503020204020204" pitchFamily="34" charset="-122"/>
+                <a:ea typeface="微软雅黑" panose="020B0503020204020204" pitchFamily="34" charset="-122"/>
+              </a:rPr>
+              <a:t>JAD</a:t>
+            </a:r>
+            <a:r>
+              <a:rPr lang="zh-CN" altLang="en-US" sz="2665" dirty="0" smtClean="0">
+                <a:solidFill>
+                  <a:srgbClr val="183A5D"/>
+                </a:solidFill>
+                <a:latin typeface="微软雅黑" panose="020B0503020204020204" pitchFamily="34" charset="-122"/>
+                <a:ea typeface="微软雅黑" panose="020B0503020204020204" pitchFamily="34" charset="-122"/>
+              </a:rPr>
+              <a:t>会议）</a:t>
             </a:r>
             <a:endParaRPr lang="zh-CN" altLang="en-US" sz="2665" dirty="0">
               <a:solidFill>
@@ -16763,65 +14826,70 @@
           </a:p>
         </p:txBody>
       </p:sp>
-      <p:sp>
-        <p:nvSpPr>
-          <p:cNvPr id="6" name="文本框 5"/>
-          <p:cNvSpPr txBox="1"/>
+      <p:pic>
+        <p:nvPicPr>
+          <p:cNvPr id="5" name="图片 4"/>
+          <p:cNvPicPr>
+            <a:picLocks noChangeAspect="1"/>
+          </p:cNvPicPr>
           <p:nvPr/>
-        </p:nvSpPr>
+        </p:nvPicPr>
+        <p:blipFill>
+          <a:blip r:embed="rId3">
+            <a:extLst>
+              <a:ext uri="{28A0092B-C50C-407E-A947-70E740481C1C}">
+                <a14:useLocalDpi xmlns:a14="http://schemas.microsoft.com/office/drawing/2010/main" val="0"/>
+              </a:ext>
+            </a:extLst>
+          </a:blip>
+          <a:stretch>
+            <a:fillRect/>
+          </a:stretch>
+        </p:blipFill>
         <p:spPr>
           <a:xfrm>
-            <a:off x="694606" y="1125538"/>
-            <a:ext cx="3528392" cy="502445"/>
+            <a:off x="237030" y="779981"/>
+            <a:ext cx="5953716" cy="4320480"/>
           </a:xfrm>
           <a:prstGeom prst="rect">
             <a:avLst/>
           </a:prstGeom>
-          <a:noFill/>
         </p:spPr>
-        <p:txBody>
-          <a:bodyPr wrap="square" rtlCol="0">
-            <a:spAutoFit/>
-          </a:bodyPr>
-          <a:lstStyle/>
-          <a:p>
-            <a:r>
-              <a:rPr lang="zh-CN" altLang="en-US" sz="2665" dirty="0">
-                <a:solidFill>
-                  <a:srgbClr val="183A5D"/>
-                </a:solidFill>
-                <a:latin typeface="微软雅黑" panose="020B0503020204020204" pitchFamily="34" charset="-122"/>
-                <a:ea typeface="微软雅黑" panose="020B0503020204020204" pitchFamily="34" charset="-122"/>
-              </a:rPr>
-              <a:t>其他详见</a:t>
-            </a:r>
-            <a:r>
-              <a:rPr lang="en-US" altLang="zh-CN" sz="2665" dirty="0">
-                <a:solidFill>
-                  <a:srgbClr val="183A5D"/>
-                </a:solidFill>
-                <a:latin typeface="微软雅黑" panose="020B0503020204020204" pitchFamily="34" charset="-122"/>
-                <a:ea typeface="微软雅黑" panose="020B0503020204020204" pitchFamily="34" charset="-122"/>
-              </a:rPr>
-              <a:t>SRS</a:t>
-            </a:r>
-            <a:r>
-              <a:rPr lang="zh-CN" altLang="en-US" sz="2665" dirty="0">
-                <a:solidFill>
-                  <a:srgbClr val="183A5D"/>
-                </a:solidFill>
-                <a:latin typeface="微软雅黑" panose="020B0503020204020204" pitchFamily="34" charset="-122"/>
-                <a:ea typeface="微软雅黑" panose="020B0503020204020204" pitchFamily="34" charset="-122"/>
-              </a:rPr>
-              <a:t>文档</a:t>
-            </a:r>
-          </a:p>
-        </p:txBody>
-      </p:sp>
+      </p:pic>
+      <p:pic>
+        <p:nvPicPr>
+          <p:cNvPr id="7" name="图片 6"/>
+          <p:cNvPicPr>
+            <a:picLocks noChangeAspect="1"/>
+          </p:cNvPicPr>
+          <p:nvPr/>
+        </p:nvPicPr>
+        <p:blipFill>
+          <a:blip r:embed="rId4">
+            <a:extLst>
+              <a:ext uri="{28A0092B-C50C-407E-A947-70E740481C1C}">
+                <a14:useLocalDpi xmlns:a14="http://schemas.microsoft.com/office/drawing/2010/main" val="0"/>
+              </a:ext>
+            </a:extLst>
+          </a:blip>
+          <a:stretch>
+            <a:fillRect/>
+          </a:stretch>
+        </p:blipFill>
+        <p:spPr>
+          <a:xfrm>
+            <a:off x="6599262" y="1773610"/>
+            <a:ext cx="5001988" cy="4858847"/>
+          </a:xfrm>
+          <a:prstGeom prst="rect">
+            <a:avLst/>
+          </a:prstGeom>
+        </p:spPr>
+      </p:pic>
     </p:spTree>
     <p:extLst>
       <p:ext uri="{BB962C8B-B14F-4D97-AF65-F5344CB8AC3E}">
-        <p14:creationId xmlns:p14="http://schemas.microsoft.com/office/powerpoint/2010/main" val="2003215025"/>
+        <p14:creationId xmlns:p14="http://schemas.microsoft.com/office/powerpoint/2010/main" val="3169664064"/>
       </p:ext>
     </p:extLst>
   </p:cSld>
@@ -17915,264 +15983,8 @@
           <a:p>
             <a:pPr algn="ctr"/>
             <a:r>
-              <a:rPr lang="en-US" sz="2400" dirty="0" smtClean="0"/>
+              <a:rPr lang="en-US" sz="2400" dirty="0"/>
               <a:t>8</a:t>
-            </a:r>
-            <a:endParaRPr lang="en-US" sz="2400" dirty="0"/>
-          </a:p>
-        </p:txBody>
-      </p:sp>
-      <p:sp>
-        <p:nvSpPr>
-          <p:cNvPr id="4" name="文本框 3"/>
-          <p:cNvSpPr txBox="1"/>
-          <p:nvPr/>
-        </p:nvSpPr>
-        <p:spPr>
-          <a:xfrm>
-            <a:off x="2206068" y="159851"/>
-            <a:ext cx="6052718" cy="501650"/>
-          </a:xfrm>
-          <a:prstGeom prst="rect">
-            <a:avLst/>
-          </a:prstGeom>
-          <a:noFill/>
-        </p:spPr>
-        <p:txBody>
-          <a:bodyPr wrap="square" rtlCol="0">
-            <a:spAutoFit/>
-          </a:bodyPr>
-          <a:lstStyle/>
-          <a:p>
-            <a:r>
-              <a:rPr lang="zh-CN" altLang="en-US" sz="2665" dirty="0" smtClean="0">
-                <a:solidFill>
-                  <a:srgbClr val="183A5D"/>
-                </a:solidFill>
-                <a:latin typeface="微软雅黑" panose="020B0503020204020204" pitchFamily="34" charset="-122"/>
-                <a:ea typeface="微软雅黑" panose="020B0503020204020204" pitchFamily="34" charset="-122"/>
-              </a:rPr>
-              <a:t>需求优先级</a:t>
-            </a:r>
-            <a:endParaRPr lang="zh-CN" altLang="en-US" sz="2665" dirty="0">
-              <a:solidFill>
-                <a:srgbClr val="183A5D"/>
-              </a:solidFill>
-              <a:latin typeface="微软雅黑" panose="020B0503020204020204" pitchFamily="34" charset="-122"/>
-              <a:ea typeface="微软雅黑" panose="020B0503020204020204" pitchFamily="34" charset="-122"/>
-            </a:endParaRPr>
-          </a:p>
-        </p:txBody>
-      </p:sp>
-      <p:pic>
-        <p:nvPicPr>
-          <p:cNvPr id="5" name="图片 4"/>
-          <p:cNvPicPr>
-            <a:picLocks noChangeAspect="1"/>
-          </p:cNvPicPr>
-          <p:nvPr/>
-        </p:nvPicPr>
-        <p:blipFill>
-          <a:blip r:embed="rId2"/>
-          <a:stretch>
-            <a:fillRect/>
-          </a:stretch>
-        </p:blipFill>
-        <p:spPr>
-          <a:xfrm>
-            <a:off x="334566" y="661467"/>
-            <a:ext cx="7720227" cy="4004493"/>
-          </a:xfrm>
-          <a:prstGeom prst="rect">
-            <a:avLst/>
-          </a:prstGeom>
-        </p:spPr>
-      </p:pic>
-      <p:pic>
-        <p:nvPicPr>
-          <p:cNvPr id="7" name="图片 6"/>
-          <p:cNvPicPr>
-            <a:picLocks noChangeAspect="1"/>
-          </p:cNvPicPr>
-          <p:nvPr/>
-        </p:nvPicPr>
-        <p:blipFill>
-          <a:blip r:embed="rId3"/>
-          <a:stretch>
-            <a:fillRect/>
-          </a:stretch>
-        </p:blipFill>
-        <p:spPr>
-          <a:xfrm>
-            <a:off x="4837357" y="2277666"/>
-            <a:ext cx="7344816" cy="4431908"/>
-          </a:xfrm>
-          <a:prstGeom prst="rect">
-            <a:avLst/>
-          </a:prstGeom>
-        </p:spPr>
-      </p:pic>
-      <p:sp>
-        <p:nvSpPr>
-          <p:cNvPr id="9" name="文本框 8"/>
-          <p:cNvSpPr txBox="1"/>
-          <p:nvPr/>
-        </p:nvSpPr>
-        <p:spPr>
-          <a:xfrm>
-            <a:off x="838622" y="5797340"/>
-            <a:ext cx="6052718" cy="501650"/>
-          </a:xfrm>
-          <a:prstGeom prst="rect">
-            <a:avLst/>
-          </a:prstGeom>
-          <a:noFill/>
-        </p:spPr>
-        <p:txBody>
-          <a:bodyPr wrap="square" rtlCol="0">
-            <a:spAutoFit/>
-          </a:bodyPr>
-          <a:lstStyle/>
-          <a:p>
-            <a:r>
-              <a:rPr lang="zh-CN" altLang="en-US" sz="2665" dirty="0" smtClean="0">
-                <a:solidFill>
-                  <a:srgbClr val="183A5D"/>
-                </a:solidFill>
-                <a:latin typeface="微软雅黑" panose="020B0503020204020204" pitchFamily="34" charset="-122"/>
-                <a:ea typeface="微软雅黑" panose="020B0503020204020204" pitchFamily="34" charset="-122"/>
-              </a:rPr>
-              <a:t>详见优先级打分表</a:t>
-            </a:r>
-            <a:endParaRPr lang="zh-CN" altLang="en-US" sz="2665" dirty="0">
-              <a:solidFill>
-                <a:srgbClr val="183A5D"/>
-              </a:solidFill>
-              <a:latin typeface="微软雅黑" panose="020B0503020204020204" pitchFamily="34" charset="-122"/>
-              <a:ea typeface="微软雅黑" panose="020B0503020204020204" pitchFamily="34" charset="-122"/>
-            </a:endParaRPr>
-          </a:p>
-        </p:txBody>
-      </p:sp>
-    </p:spTree>
-  </p:cSld>
-  <p:clrMapOvr>
-    <a:masterClrMapping/>
-  </p:clrMapOvr>
-  <p:transition spd="slow" advClick="0" advTm="0">
-    <p:wipe/>
-  </p:transition>
-</p:sld>
-</file>
-
-<file path=ppt/slides/slide25.xml><?xml version="1.0" encoding="utf-8"?>
-<p:sld xmlns:a="http://schemas.openxmlformats.org/drawingml/2006/main" xmlns:r="http://schemas.openxmlformats.org/officeDocument/2006/relationships" xmlns:p="http://schemas.openxmlformats.org/presentationml/2006/main">
-  <p:cSld>
-    <p:spTree>
-      <p:nvGrpSpPr>
-        <p:cNvPr id="1" name=""/>
-        <p:cNvGrpSpPr/>
-        <p:nvPr/>
-      </p:nvGrpSpPr>
-      <p:grpSpPr>
-        <a:xfrm>
-          <a:off x="0" y="0"/>
-          <a:ext cx="0" cy="0"/>
-          <a:chOff x="0" y="0"/>
-          <a:chExt cx="0" cy="0"/>
-        </a:xfrm>
-      </p:grpSpPr>
-      <p:sp>
-        <p:nvSpPr>
-          <p:cNvPr id="2" name="矩形 1"/>
-          <p:cNvSpPr/>
-          <p:nvPr/>
-        </p:nvSpPr>
-        <p:spPr>
-          <a:xfrm>
-            <a:off x="237030" y="1171"/>
-            <a:ext cx="1608415" cy="135446"/>
-          </a:xfrm>
-          <a:prstGeom prst="rect">
-            <a:avLst/>
-          </a:prstGeom>
-          <a:solidFill>
-            <a:srgbClr val="183A5D"/>
-          </a:solidFill>
-          <a:ln>
-            <a:noFill/>
-          </a:ln>
-        </p:spPr>
-        <p:style>
-          <a:lnRef idx="2">
-            <a:schemeClr val="accent1">
-              <a:shade val="50000"/>
-            </a:schemeClr>
-          </a:lnRef>
-          <a:fillRef idx="1">
-            <a:schemeClr val="accent1"/>
-          </a:fillRef>
-          <a:effectRef idx="0">
-            <a:schemeClr val="accent1"/>
-          </a:effectRef>
-          <a:fontRef idx="minor">
-            <a:schemeClr val="lt1"/>
-          </a:fontRef>
-        </p:style>
-        <p:txBody>
-          <a:bodyPr rtlCol="0" anchor="ctr"/>
-          <a:lstStyle/>
-          <a:p>
-            <a:pPr algn="ctr"/>
-            <a:endParaRPr lang="zh-CN" altLang="en-US" sz="2800"/>
-          </a:p>
-        </p:txBody>
-      </p:sp>
-      <p:sp>
-        <p:nvSpPr>
-          <p:cNvPr id="3" name="矩形 2"/>
-          <p:cNvSpPr/>
-          <p:nvPr/>
-        </p:nvSpPr>
-        <p:spPr>
-          <a:xfrm>
-            <a:off x="237030" y="255131"/>
-            <a:ext cx="1608415" cy="406336"/>
-          </a:xfrm>
-          <a:prstGeom prst="rect">
-            <a:avLst/>
-          </a:prstGeom>
-          <a:solidFill>
-            <a:srgbClr val="183A5D"/>
-          </a:solidFill>
-          <a:ln>
-            <a:noFill/>
-          </a:ln>
-        </p:spPr>
-        <p:style>
-          <a:lnRef idx="2">
-            <a:schemeClr val="accent1">
-              <a:shade val="50000"/>
-            </a:schemeClr>
-          </a:lnRef>
-          <a:fillRef idx="1">
-            <a:schemeClr val="accent1"/>
-          </a:fillRef>
-          <a:effectRef idx="0">
-            <a:schemeClr val="accent1"/>
-          </a:effectRef>
-          <a:fontRef idx="minor">
-            <a:schemeClr val="lt1"/>
-          </a:fontRef>
-        </p:style>
-        <p:txBody>
-          <a:bodyPr rtlCol="0" anchor="ctr"/>
-          <a:lstStyle/>
-          <a:p>
-            <a:pPr algn="ctr"/>
-            <a:r>
-              <a:rPr lang="en-US" sz="2400" dirty="0"/>
-              <a:t>9</a:t>
             </a:r>
           </a:p>
         </p:txBody>
@@ -18376,7 +16188,7 @@
 </p:sld>
 </file>
 
-<file path=ppt/slides/slide26.xml><?xml version="1.0" encoding="utf-8"?>
+<file path=ppt/slides/slide25.xml><?xml version="1.0" encoding="utf-8"?>
 <p:sld xmlns:a="http://schemas.openxmlformats.org/drawingml/2006/main" xmlns:r="http://schemas.openxmlformats.org/officeDocument/2006/relationships" xmlns:p="http://schemas.openxmlformats.org/presentationml/2006/main">
   <p:cSld>
     <p:spTree>
@@ -18483,7 +16295,7 @@
             <a:pPr algn="ctr"/>
             <a:r>
               <a:rPr lang="en-US" sz="2400" dirty="0"/>
-              <a:t>9</a:t>
+              <a:t>8</a:t>
             </a:r>
           </a:p>
         </p:txBody>
@@ -18704,7 +16516,7 @@
 </p:sld>
 </file>
 
-<file path=ppt/slides/slide27.xml><?xml version="1.0" encoding="utf-8"?>
+<file path=ppt/slides/slide26.xml><?xml version="1.0" encoding="utf-8"?>
 <p:sld xmlns:a="http://schemas.openxmlformats.org/drawingml/2006/main" xmlns:r="http://schemas.openxmlformats.org/officeDocument/2006/relationships" xmlns:p="http://schemas.openxmlformats.org/presentationml/2006/main">
   <p:cSld>
     <p:spTree>
@@ -18810,10 +16622,9 @@
           <a:p>
             <a:pPr algn="ctr"/>
             <a:r>
-              <a:rPr lang="en-US" sz="2400" dirty="0" smtClean="0"/>
-              <a:t>10</a:t>
+              <a:rPr lang="en-US" sz="2400" dirty="0"/>
+              <a:t>9</a:t>
             </a:r>
-            <a:endParaRPr lang="en-US" sz="2400" dirty="0"/>
           </a:p>
         </p:txBody>
       </p:sp>
@@ -19530,7 +17341,7 @@
 </p:sld>
 </file>
 
-<file path=ppt/slides/slide28.xml><?xml version="1.0" encoding="utf-8"?>
+<file path=ppt/slides/slide27.xml><?xml version="1.0" encoding="utf-8"?>
 <p:sld xmlns:a="http://schemas.openxmlformats.org/drawingml/2006/main" xmlns:r="http://schemas.openxmlformats.org/officeDocument/2006/relationships" xmlns:p="http://schemas.openxmlformats.org/presentationml/2006/main">
   <p:cSld>
     <p:spTree>
@@ -19637,7 +17448,7 @@
             <a:pPr algn="ctr"/>
             <a:r>
               <a:rPr lang="en-US" sz="2400" dirty="0" smtClean="0"/>
-              <a:t>11</a:t>
+              <a:t>10</a:t>
             </a:r>
             <a:endParaRPr lang="en-US" sz="2400" dirty="0"/>
           </a:p>
@@ -19803,7 +17614,7 @@
 </p:sld>
 </file>
 
-<file path=ppt/slides/slide29.xml><?xml version="1.0" encoding="utf-8"?>
+<file path=ppt/slides/slide28.xml><?xml version="1.0" encoding="utf-8"?>
 <p:sld xmlns:a="http://schemas.openxmlformats.org/drawingml/2006/main" xmlns:r="http://schemas.openxmlformats.org/officeDocument/2006/relationships" xmlns:p="http://schemas.openxmlformats.org/presentationml/2006/main">
   <p:cSld>
     <p:spTree>
@@ -19910,7 +17721,7 @@
             <a:pPr algn="ctr"/>
             <a:r>
               <a:rPr lang="en-US" sz="2400" dirty="0" smtClean="0"/>
-              <a:t>12</a:t>
+              <a:t>11</a:t>
             </a:r>
             <a:endParaRPr lang="en-US" sz="2400" dirty="0"/>
           </a:p>
@@ -20052,6 +17863,253 @@
     <p:extLst>
       <p:ext uri="{BB962C8B-B14F-4D97-AF65-F5344CB8AC3E}">
         <p14:creationId xmlns:p14="http://schemas.microsoft.com/office/powerpoint/2010/main" val="3452342465"/>
+      </p:ext>
+    </p:extLst>
+  </p:cSld>
+  <p:clrMapOvr>
+    <a:masterClrMapping/>
+  </p:clrMapOvr>
+  <p:transition spd="slow" advClick="0" advTm="0">
+    <p:wipe/>
+  </p:transition>
+</p:sld>
+</file>
+
+<file path=ppt/slides/slide29.xml><?xml version="1.0" encoding="utf-8"?>
+<p:sld xmlns:a="http://schemas.openxmlformats.org/drawingml/2006/main" xmlns:r="http://schemas.openxmlformats.org/officeDocument/2006/relationships" xmlns:p="http://schemas.openxmlformats.org/presentationml/2006/main">
+  <p:cSld>
+    <p:spTree>
+      <p:nvGrpSpPr>
+        <p:cNvPr id="1" name=""/>
+        <p:cNvGrpSpPr/>
+        <p:nvPr/>
+      </p:nvGrpSpPr>
+      <p:grpSpPr>
+        <a:xfrm>
+          <a:off x="0" y="0"/>
+          <a:ext cx="0" cy="0"/>
+          <a:chOff x="0" y="0"/>
+          <a:chExt cx="0" cy="0"/>
+        </a:xfrm>
+      </p:grpSpPr>
+      <p:sp>
+        <p:nvSpPr>
+          <p:cNvPr id="2" name="矩形 1"/>
+          <p:cNvSpPr/>
+          <p:nvPr/>
+        </p:nvSpPr>
+        <p:spPr>
+          <a:xfrm>
+            <a:off x="237030" y="1171"/>
+            <a:ext cx="1608415" cy="135446"/>
+          </a:xfrm>
+          <a:prstGeom prst="rect">
+            <a:avLst/>
+          </a:prstGeom>
+          <a:solidFill>
+            <a:srgbClr val="183A5D"/>
+          </a:solidFill>
+          <a:ln>
+            <a:noFill/>
+          </a:ln>
+        </p:spPr>
+        <p:style>
+          <a:lnRef idx="2">
+            <a:schemeClr val="accent1">
+              <a:shade val="50000"/>
+            </a:schemeClr>
+          </a:lnRef>
+          <a:fillRef idx="1">
+            <a:schemeClr val="accent1"/>
+          </a:fillRef>
+          <a:effectRef idx="0">
+            <a:schemeClr val="accent1"/>
+          </a:effectRef>
+          <a:fontRef idx="minor">
+            <a:schemeClr val="lt1"/>
+          </a:fontRef>
+        </p:style>
+        <p:txBody>
+          <a:bodyPr rtlCol="0" anchor="ctr"/>
+          <a:lstStyle/>
+          <a:p>
+            <a:pPr algn="ctr"/>
+            <a:endParaRPr lang="zh-CN" altLang="en-US" sz="2800"/>
+          </a:p>
+        </p:txBody>
+      </p:sp>
+      <p:sp>
+        <p:nvSpPr>
+          <p:cNvPr id="3" name="矩形 2"/>
+          <p:cNvSpPr/>
+          <p:nvPr/>
+        </p:nvSpPr>
+        <p:spPr>
+          <a:xfrm>
+            <a:off x="237030" y="255131"/>
+            <a:ext cx="1608415" cy="406336"/>
+          </a:xfrm>
+          <a:prstGeom prst="rect">
+            <a:avLst/>
+          </a:prstGeom>
+          <a:solidFill>
+            <a:srgbClr val="183A5D"/>
+          </a:solidFill>
+          <a:ln>
+            <a:noFill/>
+          </a:ln>
+        </p:spPr>
+        <p:style>
+          <a:lnRef idx="2">
+            <a:schemeClr val="accent1">
+              <a:shade val="50000"/>
+            </a:schemeClr>
+          </a:lnRef>
+          <a:fillRef idx="1">
+            <a:schemeClr val="accent1"/>
+          </a:fillRef>
+          <a:effectRef idx="0">
+            <a:schemeClr val="accent1"/>
+          </a:effectRef>
+          <a:fontRef idx="minor">
+            <a:schemeClr val="lt1"/>
+          </a:fontRef>
+        </p:style>
+        <p:txBody>
+          <a:bodyPr rtlCol="0" anchor="ctr"/>
+          <a:lstStyle/>
+          <a:p>
+            <a:pPr algn="ctr"/>
+            <a:r>
+              <a:rPr lang="en-US" sz="2400" dirty="0" smtClean="0"/>
+              <a:t>11</a:t>
+            </a:r>
+            <a:endParaRPr lang="en-US" sz="2400" dirty="0"/>
+          </a:p>
+        </p:txBody>
+      </p:sp>
+      <p:sp>
+        <p:nvSpPr>
+          <p:cNvPr id="4" name="文本框 3"/>
+          <p:cNvSpPr txBox="1"/>
+          <p:nvPr/>
+        </p:nvSpPr>
+        <p:spPr>
+          <a:xfrm>
+            <a:off x="2134766" y="136617"/>
+            <a:ext cx="1800200" cy="501650"/>
+          </a:xfrm>
+          <a:prstGeom prst="rect">
+            <a:avLst/>
+          </a:prstGeom>
+          <a:noFill/>
+        </p:spPr>
+        <p:txBody>
+          <a:bodyPr wrap="square" rtlCol="0">
+            <a:spAutoFit/>
+          </a:bodyPr>
+          <a:lstStyle/>
+          <a:p>
+            <a:r>
+              <a:rPr lang="zh-CN" altLang="en-US" sz="2665" dirty="0" smtClean="0">
+                <a:solidFill>
+                  <a:srgbClr val="183A5D"/>
+                </a:solidFill>
+                <a:latin typeface="微软雅黑" panose="020B0503020204020204" pitchFamily="34" charset="-122"/>
+                <a:ea typeface="微软雅黑" panose="020B0503020204020204" pitchFamily="34" charset="-122"/>
+              </a:rPr>
+              <a:t>用户手册</a:t>
+            </a:r>
+            <a:endParaRPr lang="zh-CN" altLang="en-US" sz="2665" dirty="0">
+              <a:solidFill>
+                <a:srgbClr val="183A5D"/>
+              </a:solidFill>
+              <a:latin typeface="微软雅黑" panose="020B0503020204020204" pitchFamily="34" charset="-122"/>
+              <a:ea typeface="微软雅黑" panose="020B0503020204020204" pitchFamily="34" charset="-122"/>
+            </a:endParaRPr>
+          </a:p>
+        </p:txBody>
+      </p:sp>
+      <p:pic>
+        <p:nvPicPr>
+          <p:cNvPr id="5" name="图片 4"/>
+          <p:cNvPicPr>
+            <a:picLocks noChangeAspect="1"/>
+          </p:cNvPicPr>
+          <p:nvPr/>
+        </p:nvPicPr>
+        <p:blipFill>
+          <a:blip r:embed="rId3"/>
+          <a:stretch>
+            <a:fillRect/>
+          </a:stretch>
+        </p:blipFill>
+        <p:spPr>
+          <a:xfrm>
+            <a:off x="4655046" y="765498"/>
+            <a:ext cx="7092950" cy="5926455"/>
+          </a:xfrm>
+          <a:prstGeom prst="rect">
+            <a:avLst/>
+          </a:prstGeom>
+        </p:spPr>
+      </p:pic>
+      <p:sp>
+        <p:nvSpPr>
+          <p:cNvPr id="6" name="文本框 5"/>
+          <p:cNvSpPr txBox="1"/>
+          <p:nvPr/>
+        </p:nvSpPr>
+        <p:spPr>
+          <a:xfrm>
+            <a:off x="838622" y="1125538"/>
+            <a:ext cx="1800200" cy="501650"/>
+          </a:xfrm>
+          <a:prstGeom prst="rect">
+            <a:avLst/>
+          </a:prstGeom>
+          <a:noFill/>
+        </p:spPr>
+        <p:txBody>
+          <a:bodyPr wrap="square" rtlCol="0">
+            <a:spAutoFit/>
+          </a:bodyPr>
+          <a:lstStyle/>
+          <a:p>
+            <a:r>
+              <a:rPr lang="en-US" altLang="zh-CN" sz="2665" dirty="0" smtClean="0">
+                <a:solidFill>
+                  <a:srgbClr val="183A5D"/>
+                </a:solidFill>
+                <a:latin typeface="微软雅黑" panose="020B0503020204020204" pitchFamily="34" charset="-122"/>
+                <a:ea typeface="微软雅黑" panose="020B0503020204020204" pitchFamily="34" charset="-122"/>
+              </a:rPr>
+              <a:t>APP</a:t>
+            </a:r>
+            <a:r>
+              <a:rPr lang="zh-CN" altLang="en-US" sz="2665" dirty="0" smtClean="0">
+                <a:solidFill>
+                  <a:srgbClr val="183A5D"/>
+                </a:solidFill>
+                <a:latin typeface="微软雅黑" panose="020B0503020204020204" pitchFamily="34" charset="-122"/>
+                <a:ea typeface="微软雅黑" panose="020B0503020204020204" pitchFamily="34" charset="-122"/>
+              </a:rPr>
+              <a:t>界面</a:t>
+            </a:r>
+            <a:endParaRPr lang="zh-CN" altLang="en-US" sz="2665" dirty="0">
+              <a:solidFill>
+                <a:srgbClr val="183A5D"/>
+              </a:solidFill>
+              <a:latin typeface="微软雅黑" panose="020B0503020204020204" pitchFamily="34" charset="-122"/>
+              <a:ea typeface="微软雅黑" panose="020B0503020204020204" pitchFamily="34" charset="-122"/>
+            </a:endParaRPr>
+          </a:p>
+        </p:txBody>
+      </p:sp>
+    </p:spTree>
+    <p:extLst>
+      <p:ext uri="{BB962C8B-B14F-4D97-AF65-F5344CB8AC3E}">
+        <p14:creationId xmlns:p14="http://schemas.microsoft.com/office/powerpoint/2010/main" val="2619915961"/>
       </p:ext>
     </p:extLst>
   </p:cSld>
@@ -20445,73 +18503,7 @@
         <p:spPr>
           <a:xfrm>
             <a:off x="2134766" y="136617"/>
-            <a:ext cx="1800200" cy="501650"/>
-          </a:xfrm>
-          <a:prstGeom prst="rect">
-            <a:avLst/>
-          </a:prstGeom>
-          <a:noFill/>
-        </p:spPr>
-        <p:txBody>
-          <a:bodyPr wrap="square" rtlCol="0">
-            <a:spAutoFit/>
-          </a:bodyPr>
-          <a:lstStyle/>
-          <a:p>
-            <a:r>
-              <a:rPr lang="zh-CN" altLang="en-US" sz="2665" dirty="0" smtClean="0">
-                <a:solidFill>
-                  <a:srgbClr val="183A5D"/>
-                </a:solidFill>
-                <a:latin typeface="微软雅黑" panose="020B0503020204020204" pitchFamily="34" charset="-122"/>
-                <a:ea typeface="微软雅黑" panose="020B0503020204020204" pitchFamily="34" charset="-122"/>
-              </a:rPr>
-              <a:t>用户手册</a:t>
-            </a:r>
-            <a:endParaRPr lang="zh-CN" altLang="en-US" sz="2665" dirty="0">
-              <a:solidFill>
-                <a:srgbClr val="183A5D"/>
-              </a:solidFill>
-              <a:latin typeface="微软雅黑" panose="020B0503020204020204" pitchFamily="34" charset="-122"/>
-              <a:ea typeface="微软雅黑" panose="020B0503020204020204" pitchFamily="34" charset="-122"/>
-            </a:endParaRPr>
-          </a:p>
-        </p:txBody>
-      </p:sp>
-      <p:pic>
-        <p:nvPicPr>
-          <p:cNvPr id="5" name="图片 4"/>
-          <p:cNvPicPr>
-            <a:picLocks noChangeAspect="1"/>
-          </p:cNvPicPr>
-          <p:nvPr/>
-        </p:nvPicPr>
-        <p:blipFill>
-          <a:blip r:embed="rId3"/>
-          <a:stretch>
-            <a:fillRect/>
-          </a:stretch>
-        </p:blipFill>
-        <p:spPr>
-          <a:xfrm>
-            <a:off x="4655046" y="765498"/>
-            <a:ext cx="7092950" cy="5926455"/>
-          </a:xfrm>
-          <a:prstGeom prst="rect">
-            <a:avLst/>
-          </a:prstGeom>
-        </p:spPr>
-      </p:pic>
-      <p:sp>
-        <p:nvSpPr>
-          <p:cNvPr id="6" name="文本框 5"/>
-          <p:cNvSpPr txBox="1"/>
-          <p:nvPr/>
-        </p:nvSpPr>
-        <p:spPr>
-          <a:xfrm>
-            <a:off x="838622" y="1125538"/>
-            <a:ext cx="1800200" cy="501650"/>
+            <a:ext cx="2376264" cy="502445"/>
           </a:xfrm>
           <a:prstGeom prst="rect">
             <a:avLst/>
@@ -20532,7 +18524,7 @@
                 <a:latin typeface="微软雅黑" panose="020B0503020204020204" pitchFamily="34" charset="-122"/>
                 <a:ea typeface="微软雅黑" panose="020B0503020204020204" pitchFamily="34" charset="-122"/>
               </a:rPr>
-              <a:t>APP</a:t>
+              <a:t>SRS</a:t>
             </a:r>
             <a:r>
               <a:rPr lang="zh-CN" altLang="en-US" sz="2665" dirty="0" smtClean="0">
@@ -20542,178 +18534,7 @@
                 <a:latin typeface="微软雅黑" panose="020B0503020204020204" pitchFamily="34" charset="-122"/>
                 <a:ea typeface="微软雅黑" panose="020B0503020204020204" pitchFamily="34" charset="-122"/>
               </a:rPr>
-              <a:t>界面</a:t>
-            </a:r>
-            <a:endParaRPr lang="zh-CN" altLang="en-US" sz="2665" dirty="0">
-              <a:solidFill>
-                <a:srgbClr val="183A5D"/>
-              </a:solidFill>
-              <a:latin typeface="微软雅黑" panose="020B0503020204020204" pitchFamily="34" charset="-122"/>
-              <a:ea typeface="微软雅黑" panose="020B0503020204020204" pitchFamily="34" charset="-122"/>
-            </a:endParaRPr>
-          </a:p>
-        </p:txBody>
-      </p:sp>
-    </p:spTree>
-    <p:extLst>
-      <p:ext uri="{BB962C8B-B14F-4D97-AF65-F5344CB8AC3E}">
-        <p14:creationId xmlns:p14="http://schemas.microsoft.com/office/powerpoint/2010/main" val="2619915961"/>
-      </p:ext>
-    </p:extLst>
-  </p:cSld>
-  <p:clrMapOvr>
-    <a:masterClrMapping/>
-  </p:clrMapOvr>
-  <p:transition spd="slow" advClick="0" advTm="0">
-    <p:wipe/>
-  </p:transition>
-</p:sld>
-</file>
-
-<file path=ppt/slides/slide31.xml><?xml version="1.0" encoding="utf-8"?>
-<p:sld xmlns:a="http://schemas.openxmlformats.org/drawingml/2006/main" xmlns:r="http://schemas.openxmlformats.org/officeDocument/2006/relationships" xmlns:p="http://schemas.openxmlformats.org/presentationml/2006/main">
-  <p:cSld>
-    <p:spTree>
-      <p:nvGrpSpPr>
-        <p:cNvPr id="1" name=""/>
-        <p:cNvGrpSpPr/>
-        <p:nvPr/>
-      </p:nvGrpSpPr>
-      <p:grpSpPr>
-        <a:xfrm>
-          <a:off x="0" y="0"/>
-          <a:ext cx="0" cy="0"/>
-          <a:chOff x="0" y="0"/>
-          <a:chExt cx="0" cy="0"/>
-        </a:xfrm>
-      </p:grpSpPr>
-      <p:sp>
-        <p:nvSpPr>
-          <p:cNvPr id="2" name="矩形 1"/>
-          <p:cNvSpPr/>
-          <p:nvPr/>
-        </p:nvSpPr>
-        <p:spPr>
-          <a:xfrm>
-            <a:off x="237030" y="1171"/>
-            <a:ext cx="1608415" cy="135446"/>
-          </a:xfrm>
-          <a:prstGeom prst="rect">
-            <a:avLst/>
-          </a:prstGeom>
-          <a:solidFill>
-            <a:srgbClr val="183A5D"/>
-          </a:solidFill>
-          <a:ln>
-            <a:noFill/>
-          </a:ln>
-        </p:spPr>
-        <p:style>
-          <a:lnRef idx="2">
-            <a:schemeClr val="accent1">
-              <a:shade val="50000"/>
-            </a:schemeClr>
-          </a:lnRef>
-          <a:fillRef idx="1">
-            <a:schemeClr val="accent1"/>
-          </a:fillRef>
-          <a:effectRef idx="0">
-            <a:schemeClr val="accent1"/>
-          </a:effectRef>
-          <a:fontRef idx="minor">
-            <a:schemeClr val="lt1"/>
-          </a:fontRef>
-        </p:style>
-        <p:txBody>
-          <a:bodyPr rtlCol="0" anchor="ctr"/>
-          <a:lstStyle/>
-          <a:p>
-            <a:pPr algn="ctr"/>
-            <a:endParaRPr lang="zh-CN" altLang="en-US" sz="2800"/>
-          </a:p>
-        </p:txBody>
-      </p:sp>
-      <p:sp>
-        <p:nvSpPr>
-          <p:cNvPr id="3" name="矩形 2"/>
-          <p:cNvSpPr/>
-          <p:nvPr/>
-        </p:nvSpPr>
-        <p:spPr>
-          <a:xfrm>
-            <a:off x="237030" y="255131"/>
-            <a:ext cx="1608415" cy="406336"/>
-          </a:xfrm>
-          <a:prstGeom prst="rect">
-            <a:avLst/>
-          </a:prstGeom>
-          <a:solidFill>
-            <a:srgbClr val="183A5D"/>
-          </a:solidFill>
-          <a:ln>
-            <a:noFill/>
-          </a:ln>
-        </p:spPr>
-        <p:style>
-          <a:lnRef idx="2">
-            <a:schemeClr val="accent1">
-              <a:shade val="50000"/>
-            </a:schemeClr>
-          </a:lnRef>
-          <a:fillRef idx="1">
-            <a:schemeClr val="accent1"/>
-          </a:fillRef>
-          <a:effectRef idx="0">
-            <a:schemeClr val="accent1"/>
-          </a:effectRef>
-          <a:fontRef idx="minor">
-            <a:schemeClr val="lt1"/>
-          </a:fontRef>
-        </p:style>
-        <p:txBody>
-          <a:bodyPr rtlCol="0" anchor="ctr"/>
-          <a:lstStyle/>
-          <a:p>
-            <a:pPr algn="ctr"/>
-            <a:r>
-              <a:rPr lang="en-US" sz="2400" dirty="0" smtClean="0"/>
-              <a:t>12</a:t>
-            </a:r>
-            <a:endParaRPr lang="en-US" sz="2400" dirty="0"/>
-          </a:p>
-        </p:txBody>
-      </p:sp>
-      <p:sp>
-        <p:nvSpPr>
-          <p:cNvPr id="4" name="文本框 3"/>
-          <p:cNvSpPr txBox="1"/>
-          <p:nvPr/>
-        </p:nvSpPr>
-        <p:spPr>
-          <a:xfrm>
-            <a:off x="2134766" y="136617"/>
-            <a:ext cx="1800200" cy="501650"/>
-          </a:xfrm>
-          <a:prstGeom prst="rect">
-            <a:avLst/>
-          </a:prstGeom>
-          <a:noFill/>
-        </p:spPr>
-        <p:txBody>
-          <a:bodyPr wrap="square" rtlCol="0">
-            <a:spAutoFit/>
-          </a:bodyPr>
-          <a:lstStyle/>
-          <a:p>
-            <a:r>
-              <a:rPr lang="zh-CN" altLang="en-US" sz="2665" dirty="0" smtClean="0">
-                <a:solidFill>
-                  <a:srgbClr val="183A5D"/>
-                </a:solidFill>
-                <a:latin typeface="微软雅黑" panose="020B0503020204020204" pitchFamily="34" charset="-122"/>
-                <a:ea typeface="微软雅黑" panose="020B0503020204020204" pitchFamily="34" charset="-122"/>
-              </a:rPr>
-              <a:t>用户手册</a:t>
+              <a:t>组内评审</a:t>
             </a:r>
             <a:endParaRPr lang="zh-CN" altLang="en-US" sz="2665" dirty="0">
               <a:solidFill>
@@ -20771,7 +18592,7 @@
 </p:sld>
 </file>
 
-<file path=ppt/slides/slide32.xml><?xml version="1.0" encoding="utf-8"?>
+<file path=ppt/slides/slide31.xml><?xml version="1.0" encoding="utf-8"?>
 <p:sld xmlns:a="http://schemas.openxmlformats.org/drawingml/2006/main" xmlns:r="http://schemas.openxmlformats.org/officeDocument/2006/relationships" xmlns:p="http://schemas.openxmlformats.org/presentationml/2006/main">
   <p:cSld>
     <p:spTree>
@@ -21579,7 +19400,7 @@
 </p:sld>
 </file>
 
-<file path=ppt/slides/slide33.xml><?xml version="1.0" encoding="utf-8"?>
+<file path=ppt/slides/slide32.xml><?xml version="1.0" encoding="utf-8"?>
 <p:sld xmlns:a="http://schemas.openxmlformats.org/drawingml/2006/main" xmlns:r="http://schemas.openxmlformats.org/officeDocument/2006/relationships" xmlns:p="http://schemas.openxmlformats.org/presentationml/2006/main">
   <p:cSld>
     <p:spTree>
@@ -21701,14 +19522,14 @@
           <p:nvPr>
             <p:extLst>
               <p:ext uri="{D42A27DB-BD31-4B8C-83A1-F6EECF244321}">
-                <p14:modId xmlns:p14="http://schemas.microsoft.com/office/powerpoint/2010/main" val="3070503289"/>
+                <p14:modId xmlns:p14="http://schemas.microsoft.com/office/powerpoint/2010/main" val="3917777321"/>
               </p:ext>
             </p:extLst>
           </p:nvPr>
         </p:nvGraphicFramePr>
         <p:xfrm>
           <a:off x="3214886" y="78530"/>
-          <a:ext cx="8424936" cy="6702210"/>
+          <a:ext cx="8424936" cy="6092610"/>
         </p:xfrm>
         <a:graphic>
           <a:graphicData uri="http://schemas.openxmlformats.org/drawingml/2006/table">
@@ -21865,11 +19686,7 @@
                     <a:p>
                       <a:r>
                         <a:rPr lang="zh-CN" altLang="en-US" sz="2000" dirty="0" smtClean="0"/>
-                        <a:t>用例</a:t>
-                      </a:r>
-                      <a:r>
-                        <a:rPr lang="zh-CN" altLang="en-US" sz="2000" dirty="0" smtClean="0"/>
-                        <a:t>描述，用例图，编写</a:t>
+                        <a:t>用例描述，用例图，编写</a:t>
                       </a:r>
                       <a:r>
                         <a:rPr lang="en-US" altLang="zh-CN" sz="2000" dirty="0" smtClean="0"/>
@@ -21877,15 +19694,7 @@
                       </a:r>
                       <a:r>
                         <a:rPr lang="zh-CN" altLang="en-US" sz="2000" dirty="0" smtClean="0"/>
-                        <a:t>打分</a:t>
-                      </a:r>
-                      <a:r>
-                        <a:rPr lang="zh-CN" altLang="en-US" sz="2000" dirty="0" smtClean="0"/>
-                        <a:t>表的编写，</a:t>
-                      </a:r>
-                      <a:r>
-                        <a:rPr lang="zh-CN" altLang="en-US" sz="2000" dirty="0" smtClean="0"/>
-                        <a:t>编写</a:t>
+                        <a:t>打分表的编写，编写</a:t>
                       </a:r>
                       <a:r>
                         <a:rPr lang="en-US" altLang="zh-CN" sz="2000" dirty="0" smtClean="0"/>
@@ -21893,19 +19702,7 @@
                       </a:r>
                       <a:r>
                         <a:rPr lang="zh-CN" altLang="en-US" sz="2000" dirty="0" smtClean="0"/>
-                        <a:t>顺序图，</a:t>
-                      </a:r>
-                      <a:r>
-                        <a:rPr lang="en-US" altLang="zh-CN" sz="2000" dirty="0" smtClean="0"/>
-                        <a:t>UML</a:t>
-                      </a:r>
-                      <a:r>
-                        <a:rPr lang="zh-CN" altLang="en-US" sz="2000" dirty="0" smtClean="0"/>
-                        <a:t>对话框</a:t>
-                      </a:r>
-                      <a:r>
-                        <a:rPr lang="zh-CN" altLang="en-US" sz="2000" dirty="0" smtClean="0"/>
-                        <a:t>图，</a:t>
+                        <a:t>图例，</a:t>
                       </a:r>
                       <a:r>
                         <a:rPr lang="en-US" altLang="zh-CN" sz="2000" dirty="0" smtClean="0"/>
@@ -22054,15 +19851,7 @@
                       </a:r>
                       <a:r>
                         <a:rPr lang="zh-CN" altLang="en-US" sz="2000" dirty="0" smtClean="0"/>
-                        <a:t>顺序图，</a:t>
-                      </a:r>
-                      <a:r>
-                        <a:rPr lang="en-US" altLang="zh-CN" sz="2000" dirty="0" smtClean="0"/>
-                        <a:t>UML</a:t>
-                      </a:r>
-                      <a:r>
-                        <a:rPr lang="zh-CN" altLang="en-US" sz="2000" dirty="0" smtClean="0"/>
-                        <a:t>对话框图，</a:t>
+                        <a:t>图例，</a:t>
                       </a:r>
                       <a:r>
                         <a:rPr lang="en-US" altLang="zh-CN" sz="2000" dirty="0" smtClean="0"/>
@@ -22084,7 +19873,7 @@
                       <a:pPr algn="ctr"/>
                       <a:r>
                         <a:rPr lang="en-US" altLang="zh-CN" sz="2000" dirty="0" smtClean="0"/>
-                        <a:t>93</a:t>
+                        <a:t>92</a:t>
                       </a:r>
                       <a:endParaRPr lang="zh-CN" altLang="en-US" sz="2000" dirty="0"/>
                     </a:p>
@@ -22133,8 +19922,8 @@
                     <a:p>
                       <a:pPr algn="ctr"/>
                       <a:r>
-                        <a:rPr lang="en-US" altLang="zh-CN" sz="2000" dirty="0" smtClean="0"/>
-                        <a:t>88</a:t>
+                        <a:rPr lang="en-US" altLang="zh-CN" sz="2000" smtClean="0"/>
+                        <a:t>85</a:t>
                       </a:r>
                       <a:endParaRPr lang="zh-CN" altLang="en-US" sz="2000" dirty="0"/>
                     </a:p>
@@ -22430,481 +20219,7 @@
 </p:sld>
 </file>
 
-<file path=ppt/slides/slide34.xml><?xml version="1.0" encoding="utf-8"?>
-<p:sld xmlns:a="http://schemas.openxmlformats.org/drawingml/2006/main" xmlns:r="http://schemas.openxmlformats.org/officeDocument/2006/relationships" xmlns:p="http://schemas.openxmlformats.org/presentationml/2006/main">
-  <p:cSld>
-    <p:spTree>
-      <p:nvGrpSpPr>
-        <p:cNvPr id="1" name=""/>
-        <p:cNvGrpSpPr/>
-        <p:nvPr/>
-      </p:nvGrpSpPr>
-      <p:grpSpPr>
-        <a:xfrm>
-          <a:off x="0" y="0"/>
-          <a:ext cx="0" cy="0"/>
-          <a:chOff x="0" y="0"/>
-          <a:chExt cx="0" cy="0"/>
-        </a:xfrm>
-      </p:grpSpPr>
-      <p:sp>
-        <p:nvSpPr>
-          <p:cNvPr id="36" name="矩形 35"/>
-          <p:cNvSpPr/>
-          <p:nvPr/>
-        </p:nvSpPr>
-        <p:spPr>
-          <a:xfrm>
-            <a:off x="-106680" y="0"/>
-            <a:ext cx="2938780" cy="6859270"/>
-          </a:xfrm>
-          <a:prstGeom prst="rect">
-            <a:avLst/>
-          </a:prstGeom>
-          <a:solidFill>
-            <a:srgbClr val="38B1BF"/>
-          </a:solidFill>
-          <a:ln>
-            <a:noFill/>
-          </a:ln>
-          <a:effectLst>
-            <a:outerShdw blurRad="50800" dist="38100" dir="2700000" algn="tl" rotWithShape="0">
-              <a:prstClr val="black">
-                <a:alpha val="40000"/>
-              </a:prstClr>
-            </a:outerShdw>
-          </a:effectLst>
-          <a:scene3d>
-            <a:camera prst="orthographicFront"/>
-            <a:lightRig rig="threePt" dir="t"/>
-          </a:scene3d>
-          <a:sp3d/>
-        </p:spPr>
-        <p:style>
-          <a:lnRef idx="1">
-            <a:schemeClr val="accent1"/>
-          </a:lnRef>
-          <a:fillRef idx="0">
-            <a:schemeClr val="accent1"/>
-          </a:fillRef>
-          <a:effectRef idx="0">
-            <a:schemeClr val="accent1"/>
-          </a:effectRef>
-          <a:fontRef idx="minor">
-            <a:schemeClr val="tx1"/>
-          </a:fontRef>
-        </p:style>
-        <p:txBody>
-          <a:bodyPr rot="0" spcFirstLastPara="0" vertOverflow="overflow" horzOverflow="overflow" vert="horz" wrap="square" lIns="91440" tIns="45720" rIns="91440" bIns="45720" numCol="1" spcCol="0" rtlCol="0" fromWordArt="0" anchor="ctr" anchorCtr="0" forceAA="0" compatLnSpc="1">
-            <a:noAutofit/>
-          </a:bodyPr>
-          <a:lstStyle/>
-          <a:p>
-            <a:pPr algn="ctr"/>
-            <a:endParaRPr lang="zh-CN" altLang="en-US"/>
-          </a:p>
-        </p:txBody>
-      </p:sp>
-      <p:sp>
-        <p:nvSpPr>
-          <p:cNvPr id="37" name="TextBox 36"/>
-          <p:cNvSpPr txBox="1"/>
-          <p:nvPr/>
-        </p:nvSpPr>
-        <p:spPr>
-          <a:xfrm>
-            <a:off x="-276651" y="2922512"/>
-            <a:ext cx="2808312" cy="614045"/>
-          </a:xfrm>
-          <a:prstGeom prst="rect">
-            <a:avLst/>
-          </a:prstGeom>
-          <a:noFill/>
-        </p:spPr>
-        <p:txBody>
-          <a:bodyPr wrap="square" lIns="121948" tIns="60973" rIns="121948" bIns="60973">
-            <a:spAutoFit/>
-          </a:bodyPr>
-          <a:lstStyle/>
-          <a:p>
-            <a:pPr algn="r">
-              <a:defRPr/>
-            </a:pPr>
-            <a:r>
-              <a:rPr lang="zh-CN" sz="3200" b="1" dirty="0">
-                <a:solidFill>
-                  <a:schemeClr val="bg1"/>
-                </a:solidFill>
-                <a:latin typeface="微软雅黑" panose="020B0503020204020204" pitchFamily="34" charset="-122"/>
-                <a:ea typeface="微软雅黑" panose="020B0503020204020204" pitchFamily="34" charset="-122"/>
-              </a:rPr>
-              <a:t>考评</a:t>
-            </a:r>
-          </a:p>
-        </p:txBody>
-      </p:sp>
-      <p:graphicFrame>
-        <p:nvGraphicFramePr>
-          <p:cNvPr id="2" name="图表 1"/>
-          <p:cNvGraphicFramePr/>
-          <p:nvPr/>
-        </p:nvGraphicFramePr>
-        <p:xfrm>
-          <a:off x="7258413" y="-1178718"/>
-          <a:ext cx="4932000" cy="5184000"/>
-        </p:xfrm>
-        <a:graphic>
-          <a:graphicData uri="http://schemas.openxmlformats.org/drawingml/2006/chart">
-            <c:chart xmlns:c="http://schemas.openxmlformats.org/drawingml/2006/chart" xmlns:r="http://schemas.openxmlformats.org/officeDocument/2006/relationships" r:id="rId3"/>
-          </a:graphicData>
-        </a:graphic>
-      </p:graphicFrame>
-      <p:graphicFrame>
-        <p:nvGraphicFramePr>
-          <p:cNvPr id="6" name="图表 5"/>
-          <p:cNvGraphicFramePr/>
-          <p:nvPr/>
-        </p:nvGraphicFramePr>
-        <p:xfrm>
-          <a:off x="2638822" y="3141762"/>
-          <a:ext cx="4932000" cy="5184000"/>
-        </p:xfrm>
-        <a:graphic>
-          <a:graphicData uri="http://schemas.openxmlformats.org/drawingml/2006/chart">
-            <c:chart xmlns:c="http://schemas.openxmlformats.org/drawingml/2006/chart" xmlns:r="http://schemas.openxmlformats.org/officeDocument/2006/relationships" r:id="rId4"/>
-          </a:graphicData>
-        </a:graphic>
-      </p:graphicFrame>
-      <p:graphicFrame>
-        <p:nvGraphicFramePr>
-          <p:cNvPr id="7" name="图表 6" title="总评：97"/>
-          <p:cNvGraphicFramePr>
-            <a:graphicFrameLocks noChangeAspect="1"/>
-          </p:cNvGraphicFramePr>
-          <p:nvPr/>
-        </p:nvGraphicFramePr>
-        <p:xfrm>
-          <a:off x="2638822" y="-1106710"/>
-          <a:ext cx="4931697" cy="5184576"/>
-        </p:xfrm>
-        <a:graphic>
-          <a:graphicData uri="http://schemas.openxmlformats.org/drawingml/2006/chart">
-            <c:chart xmlns:c="http://schemas.openxmlformats.org/drawingml/2006/chart" xmlns:r="http://schemas.openxmlformats.org/officeDocument/2006/relationships" r:id="rId5"/>
-          </a:graphicData>
-        </a:graphic>
-      </p:graphicFrame>
-      <p:graphicFrame>
-        <p:nvGraphicFramePr>
-          <p:cNvPr id="8" name="图表 7"/>
-          <p:cNvGraphicFramePr/>
-          <p:nvPr/>
-        </p:nvGraphicFramePr>
-        <p:xfrm>
-          <a:off x="5015086" y="944557"/>
-          <a:ext cx="4932000" cy="5184000"/>
-        </p:xfrm>
-        <a:graphic>
-          <a:graphicData uri="http://schemas.openxmlformats.org/drawingml/2006/chart">
-            <c:chart xmlns:c="http://schemas.openxmlformats.org/drawingml/2006/chart" xmlns:r="http://schemas.openxmlformats.org/officeDocument/2006/relationships" r:id="rId6"/>
-          </a:graphicData>
-        </a:graphic>
-      </p:graphicFrame>
-      <p:graphicFrame>
-        <p:nvGraphicFramePr>
-          <p:cNvPr id="9" name="图表 8"/>
-          <p:cNvGraphicFramePr/>
-          <p:nvPr/>
-        </p:nvGraphicFramePr>
-        <p:xfrm>
-          <a:off x="7258413" y="3229534"/>
-          <a:ext cx="4932000" cy="5184000"/>
-        </p:xfrm>
-        <a:graphic>
-          <a:graphicData uri="http://schemas.openxmlformats.org/drawingml/2006/chart">
-            <c:chart xmlns:c="http://schemas.openxmlformats.org/drawingml/2006/chart" xmlns:r="http://schemas.openxmlformats.org/officeDocument/2006/relationships" r:id="rId7"/>
-          </a:graphicData>
-        </a:graphic>
-      </p:graphicFrame>
-    </p:spTree>
-  </p:cSld>
-  <p:clrMapOvr>
-    <a:masterClrMapping/>
-  </p:clrMapOvr>
-  <mc:AlternateContent xmlns:mc="http://schemas.openxmlformats.org/markup-compatibility/2006" xmlns:p14="http://schemas.microsoft.com/office/powerpoint/2010/main">
-    <mc:Choice Requires="p14">
-      <p:transition spd="slow" p14:dur="1200" advClick="0" advTm="0">
-        <p14:prism/>
-      </p:transition>
-    </mc:Choice>
-    <mc:Fallback xmlns="">
-      <p:transition spd="slow" advClick="0" advTm="0">
-        <p:fade/>
-      </p:transition>
-    </mc:Fallback>
-  </mc:AlternateContent>
-  <p:timing>
-    <p:tnLst>
-      <p:par>
-        <p:cTn id="1" dur="indefinite" restart="never" nodeType="tmRoot">
-          <p:childTnLst>
-            <p:seq concurrent="1" nextAc="seek">
-              <p:cTn id="2" dur="indefinite" nodeType="mainSeq">
-                <p:childTnLst>
-                  <p:par>
-                    <p:cTn id="3" fill="hold">
-                      <p:stCondLst>
-                        <p:cond delay="indefinite"/>
-                        <p:cond evt="onBegin" delay="0">
-                          <p:tn val="2"/>
-                        </p:cond>
-                      </p:stCondLst>
-                      <p:childTnLst>
-                        <p:par>
-                          <p:cTn id="4" fill="hold">
-                            <p:stCondLst>
-                              <p:cond delay="0"/>
-                            </p:stCondLst>
-                            <p:childTnLst>
-                              <p:par>
-                                <p:cTn id="5" presetID="2" presetClass="entr" presetSubtype="8" fill="hold" grpId="0" nodeType="afterEffect">
-                                  <p:stCondLst>
-                                    <p:cond delay="0"/>
-                                  </p:stCondLst>
-                                  <p:childTnLst>
-                                    <p:set>
-                                      <p:cBhvr>
-                                        <p:cTn id="6" dur="1" fill="hold">
-                                          <p:stCondLst>
-                                            <p:cond delay="0"/>
-                                          </p:stCondLst>
-                                        </p:cTn>
-                                        <p:tgtEl>
-                                          <p:spTgt spid="36"/>
-                                        </p:tgtEl>
-                                        <p:attrNameLst>
-                                          <p:attrName>style.visibility</p:attrName>
-                                        </p:attrNameLst>
-                                      </p:cBhvr>
-                                      <p:to>
-                                        <p:strVal val="visible"/>
-                                      </p:to>
-                                    </p:set>
-                                    <p:anim calcmode="lin" valueType="num">
-                                      <p:cBhvr additive="base">
-                                        <p:cTn id="7" dur="500" fill="hold"/>
-                                        <p:tgtEl>
-                                          <p:spTgt spid="36"/>
-                                        </p:tgtEl>
-                                        <p:attrNameLst>
-                                          <p:attrName>ppt_x</p:attrName>
-                                        </p:attrNameLst>
-                                      </p:cBhvr>
-                                      <p:tavLst>
-                                        <p:tav tm="0">
-                                          <p:val>
-                                            <p:strVal val="0-#ppt_w/2"/>
-                                          </p:val>
-                                        </p:tav>
-                                        <p:tav tm="100000">
-                                          <p:val>
-                                            <p:strVal val="#ppt_x"/>
-                                          </p:val>
-                                        </p:tav>
-                                      </p:tavLst>
-                                    </p:anim>
-                                    <p:anim calcmode="lin" valueType="num">
-                                      <p:cBhvr additive="base">
-                                        <p:cTn id="8" dur="500" fill="hold"/>
-                                        <p:tgtEl>
-                                          <p:spTgt spid="36"/>
-                                        </p:tgtEl>
-                                        <p:attrNameLst>
-                                          <p:attrName>ppt_y</p:attrName>
-                                        </p:attrNameLst>
-                                      </p:cBhvr>
-                                      <p:tavLst>
-                                        <p:tav tm="0">
-                                          <p:val>
-                                            <p:strVal val="#ppt_y"/>
-                                          </p:val>
-                                        </p:tav>
-                                        <p:tav tm="100000">
-                                          <p:val>
-                                            <p:strVal val="#ppt_y"/>
-                                          </p:val>
-                                        </p:tav>
-                                      </p:tavLst>
-                                    </p:anim>
-                                  </p:childTnLst>
-                                </p:cTn>
-                              </p:par>
-                            </p:childTnLst>
-                          </p:cTn>
-                        </p:par>
-                        <p:par>
-                          <p:cTn id="9" fill="hold">
-                            <p:stCondLst>
-                              <p:cond delay="500"/>
-                            </p:stCondLst>
-                            <p:childTnLst>
-                              <p:par>
-                                <p:cTn id="10" presetID="17" presetClass="entr" presetSubtype="1" fill="hold" grpId="0" nodeType="afterEffect">
-                                  <p:stCondLst>
-                                    <p:cond delay="0"/>
-                                  </p:stCondLst>
-                                  <p:iterate type="lt">
-                                    <p:tmPct val="40000"/>
-                                  </p:iterate>
-                                  <p:childTnLst>
-                                    <p:set>
-                                      <p:cBhvr>
-                                        <p:cTn id="11" dur="1" fill="hold">
-                                          <p:stCondLst>
-                                            <p:cond delay="0"/>
-                                          </p:stCondLst>
-                                        </p:cTn>
-                                        <p:tgtEl>
-                                          <p:spTgt spid="37"/>
-                                        </p:tgtEl>
-                                        <p:attrNameLst>
-                                          <p:attrName>style.visibility</p:attrName>
-                                        </p:attrNameLst>
-                                      </p:cBhvr>
-                                      <p:to>
-                                        <p:strVal val="visible"/>
-                                      </p:to>
-                                    </p:set>
-                                    <p:anim calcmode="lin" valueType="num">
-                                      <p:cBhvr>
-                                        <p:cTn id="12" dur="250" fill="hold"/>
-                                        <p:tgtEl>
-                                          <p:spTgt spid="37"/>
-                                        </p:tgtEl>
-                                        <p:attrNameLst>
-                                          <p:attrName>ppt_x</p:attrName>
-                                        </p:attrNameLst>
-                                      </p:cBhvr>
-                                      <p:tavLst>
-                                        <p:tav tm="0">
-                                          <p:val>
-                                            <p:strVal val="#ppt_x"/>
-                                          </p:val>
-                                        </p:tav>
-                                        <p:tav tm="100000">
-                                          <p:val>
-                                            <p:strVal val="#ppt_x"/>
-                                          </p:val>
-                                        </p:tav>
-                                      </p:tavLst>
-                                    </p:anim>
-                                    <p:anim calcmode="lin" valueType="num">
-                                      <p:cBhvr>
-                                        <p:cTn id="13" dur="250" fill="hold"/>
-                                        <p:tgtEl>
-                                          <p:spTgt spid="37"/>
-                                        </p:tgtEl>
-                                        <p:attrNameLst>
-                                          <p:attrName>ppt_y</p:attrName>
-                                        </p:attrNameLst>
-                                      </p:cBhvr>
-                                      <p:tavLst>
-                                        <p:tav tm="0">
-                                          <p:val>
-                                            <p:strVal val="#ppt_y-#ppt_h/2"/>
-                                          </p:val>
-                                        </p:tav>
-                                        <p:tav tm="100000">
-                                          <p:val>
-                                            <p:strVal val="#ppt_y"/>
-                                          </p:val>
-                                        </p:tav>
-                                      </p:tavLst>
-                                    </p:anim>
-                                    <p:anim calcmode="lin" valueType="num">
-                                      <p:cBhvr>
-                                        <p:cTn id="14" dur="250" fill="hold"/>
-                                        <p:tgtEl>
-                                          <p:spTgt spid="37"/>
-                                        </p:tgtEl>
-                                        <p:attrNameLst>
-                                          <p:attrName>ppt_w</p:attrName>
-                                        </p:attrNameLst>
-                                      </p:cBhvr>
-                                      <p:tavLst>
-                                        <p:tav tm="0">
-                                          <p:val>
-                                            <p:strVal val="#ppt_w"/>
-                                          </p:val>
-                                        </p:tav>
-                                        <p:tav tm="100000">
-                                          <p:val>
-                                            <p:strVal val="#ppt_w"/>
-                                          </p:val>
-                                        </p:tav>
-                                      </p:tavLst>
-                                    </p:anim>
-                                    <p:anim calcmode="lin" valueType="num">
-                                      <p:cBhvr>
-                                        <p:cTn id="15" dur="250" fill="hold"/>
-                                        <p:tgtEl>
-                                          <p:spTgt spid="37"/>
-                                        </p:tgtEl>
-                                        <p:attrNameLst>
-                                          <p:attrName>ppt_h</p:attrName>
-                                        </p:attrNameLst>
-                                      </p:cBhvr>
-                                      <p:tavLst>
-                                        <p:tav tm="0">
-                                          <p:val>
-                                            <p:fltVal val="0"/>
-                                          </p:val>
-                                        </p:tav>
-                                        <p:tav tm="100000">
-                                          <p:val>
-                                            <p:strVal val="#ppt_h"/>
-                                          </p:val>
-                                        </p:tav>
-                                      </p:tavLst>
-                                    </p:anim>
-                                  </p:childTnLst>
-                                </p:cTn>
-                              </p:par>
-                            </p:childTnLst>
-                          </p:cTn>
-                        </p:par>
-                      </p:childTnLst>
-                    </p:cTn>
-                  </p:par>
-                </p:childTnLst>
-              </p:cTn>
-              <p:prevCondLst>
-                <p:cond evt="onPrev" delay="0">
-                  <p:tgtEl>
-                    <p:sldTgt/>
-                  </p:tgtEl>
-                </p:cond>
-              </p:prevCondLst>
-              <p:nextCondLst>
-                <p:cond evt="onNext" delay="0">
-                  <p:tgtEl>
-                    <p:sldTgt/>
-                  </p:tgtEl>
-                </p:cond>
-              </p:nextCondLst>
-            </p:seq>
-          </p:childTnLst>
-        </p:cTn>
-      </p:par>
-    </p:tnLst>
-    <p:bldLst>
-      <p:bldP spid="36" grpId="0" bldLvl="0" animBg="1"/>
-      <p:bldP spid="37" grpId="0"/>
-    </p:bldLst>
-  </p:timing>
-</p:sld>
-</file>
-
-<file path=ppt/slides/slide35.xml><?xml version="1.0" encoding="utf-8"?>
+<file path=ppt/slides/slide33.xml><?xml version="1.0" encoding="utf-8"?>
 <p:sld xmlns:a="http://schemas.openxmlformats.org/drawingml/2006/main" xmlns:r="http://schemas.openxmlformats.org/officeDocument/2006/relationships" xmlns:p="http://schemas.openxmlformats.org/presentationml/2006/main">
   <p:cSld>
     <p:spTree>
@@ -27794,11 +25109,7 @@
             </a:r>
             <a:r>
               <a:rPr lang="zh-CN" altLang="en-US" sz="2400" dirty="0" smtClean="0"/>
-              <a:t>代表</a:t>
-            </a:r>
-            <a:r>
-              <a:rPr lang="zh-CN" altLang="en-US" sz="2400" dirty="0" smtClean="0"/>
-              <a:t>确认</a:t>
+              <a:t>代表确认</a:t>
             </a:r>
             <a:endParaRPr lang="zh-CN" altLang="en-US" sz="2400" dirty="0"/>
           </a:p>
@@ -28032,11 +25343,7 @@
             </a:r>
             <a:r>
               <a:rPr lang="zh-CN" altLang="en-US" sz="2400" dirty="0" smtClean="0"/>
-              <a:t>代表</a:t>
-            </a:r>
-            <a:r>
-              <a:rPr lang="zh-CN" altLang="en-US" sz="2400" dirty="0" smtClean="0"/>
-              <a:t>确认</a:t>
+              <a:t>代表确认</a:t>
             </a:r>
             <a:endParaRPr lang="zh-CN" altLang="en-US" sz="2400" dirty="0"/>
           </a:p>
